--- a/Hometask1/Doc/Lektsia_2.pptx
+++ b/Hometask1/Doc/Lektsia_2.pptx
@@ -132,7 +132,18 @@
   </p:defaultTextStyle>
   <p:extLst>
     <p:ext uri="{EFAFB233-063F-42B5-8137-9DF3F51BA10A}">
-      <p15:sldGuideLst xmlns="" xmlns:p15="http://schemas.microsoft.com/office/powerpoint/2012/main"/>
+      <p15:sldGuideLst xmlns:p15="http://schemas.microsoft.com/office/powerpoint/2012/main">
+        <p15:guide id="1" orient="horz" pos="2160">
+          <p15:clr>
+            <a:srgbClr val="A4A3A4"/>
+          </p15:clr>
+        </p15:guide>
+        <p15:guide id="2" pos="3840">
+          <p15:clr>
+            <a:srgbClr val="A4A3A4"/>
+          </p15:clr>
+        </p15:guide>
+      </p15:sldGuideLst>
     </p:ext>
   </p:extLst>
 </p:presentation>
@@ -221,7 +232,7 @@
             <a:fld id="{6FC710AB-14DA-4EFF-801D-0D4688F05602}" type="datetimeFigureOut">
               <a:rPr lang="ru-RU" smtClean="0"/>
               <a:pPr/>
-              <a:t>27.09.2019</a:t>
+              <a:t>10.03.2020</a:t>
             </a:fld>
             <a:endParaRPr lang="ru-RU"/>
           </a:p>
@@ -2020,7 +2031,7 @@
           <p:cNvPr id="2" name="Заголовок 1">
             <a:extLst>
               <a:ext uri="{FF2B5EF4-FFF2-40B4-BE49-F238E27FC236}">
-                <a16:creationId xmlns="" xmlns:a16="http://schemas.microsoft.com/office/drawing/2014/main" id="{ACA2C21E-06FE-4939-B2FC-648826E116DB}"/>
+                <a16:creationId xmlns:a16="http://schemas.microsoft.com/office/drawing/2014/main" id="{ACA2C21E-06FE-4939-B2FC-648826E116DB}"/>
               </a:ext>
             </a:extLst>
           </p:cNvPr>
@@ -2057,7 +2068,7 @@
           <p:cNvPr id="3" name="Подзаголовок 2">
             <a:extLst>
               <a:ext uri="{FF2B5EF4-FFF2-40B4-BE49-F238E27FC236}">
-                <a16:creationId xmlns="" xmlns:a16="http://schemas.microsoft.com/office/drawing/2014/main" id="{442FA787-743A-44C6-82F7-2A973B1D8E85}"/>
+                <a16:creationId xmlns:a16="http://schemas.microsoft.com/office/drawing/2014/main" id="{442FA787-743A-44C6-82F7-2A973B1D8E85}"/>
               </a:ext>
             </a:extLst>
           </p:cNvPr>
@@ -2127,7 +2138,7 @@
           <p:cNvPr id="4" name="Дата 3">
             <a:extLst>
               <a:ext uri="{FF2B5EF4-FFF2-40B4-BE49-F238E27FC236}">
-                <a16:creationId xmlns="" xmlns:a16="http://schemas.microsoft.com/office/drawing/2014/main" id="{071665CF-CB89-4488-B55F-432DE19AA0CC}"/>
+                <a16:creationId xmlns:a16="http://schemas.microsoft.com/office/drawing/2014/main" id="{071665CF-CB89-4488-B55F-432DE19AA0CC}"/>
               </a:ext>
             </a:extLst>
           </p:cNvPr>
@@ -2146,7 +2157,7 @@
             <a:fld id="{8CF76DE2-3136-4AA2-9A11-257E2A1379FC}" type="datetime1">
               <a:rPr lang="ru-RU" smtClean="0"/>
               <a:pPr/>
-              <a:t>27.09.2019</a:t>
+              <a:t>10.03.2020</a:t>
             </a:fld>
             <a:endParaRPr lang="ru-RU"/>
           </a:p>
@@ -2157,7 +2168,7 @@
           <p:cNvPr id="5" name="Нижний колонтитул 4">
             <a:extLst>
               <a:ext uri="{FF2B5EF4-FFF2-40B4-BE49-F238E27FC236}">
-                <a16:creationId xmlns="" xmlns:a16="http://schemas.microsoft.com/office/drawing/2014/main" id="{C50A3A6C-639C-4C21-8CF3-059A15E117E6}"/>
+                <a16:creationId xmlns:a16="http://schemas.microsoft.com/office/drawing/2014/main" id="{C50A3A6C-639C-4C21-8CF3-059A15E117E6}"/>
               </a:ext>
             </a:extLst>
           </p:cNvPr>
@@ -2182,7 +2193,7 @@
           <p:cNvPr id="6" name="Номер слайда 5">
             <a:extLst>
               <a:ext uri="{FF2B5EF4-FFF2-40B4-BE49-F238E27FC236}">
-                <a16:creationId xmlns="" xmlns:a16="http://schemas.microsoft.com/office/drawing/2014/main" id="{06C1EC84-56DD-49E4-811A-0FEA0294AF50}"/>
+                <a16:creationId xmlns:a16="http://schemas.microsoft.com/office/drawing/2014/main" id="{06C1EC84-56DD-49E4-811A-0FEA0294AF50}"/>
               </a:ext>
             </a:extLst>
           </p:cNvPr>
@@ -2493,7 +2504,7 @@
           <p:cNvPr id="2" name="Заголовок 1">
             <a:extLst>
               <a:ext uri="{FF2B5EF4-FFF2-40B4-BE49-F238E27FC236}">
-                <a16:creationId xmlns="" xmlns:a16="http://schemas.microsoft.com/office/drawing/2014/main" id="{8799B3E0-6416-4857-B4E2-981F3579121C}"/>
+                <a16:creationId xmlns:a16="http://schemas.microsoft.com/office/drawing/2014/main" id="{8799B3E0-6416-4857-B4E2-981F3579121C}"/>
               </a:ext>
             </a:extLst>
           </p:cNvPr>
@@ -2521,7 +2532,7 @@
           <p:cNvPr id="3" name="Вертикальный текст 2">
             <a:extLst>
               <a:ext uri="{FF2B5EF4-FFF2-40B4-BE49-F238E27FC236}">
-                <a16:creationId xmlns="" xmlns:a16="http://schemas.microsoft.com/office/drawing/2014/main" id="{32930097-0D85-4728-A8D3-D9B98F9B5A6C}"/>
+                <a16:creationId xmlns:a16="http://schemas.microsoft.com/office/drawing/2014/main" id="{32930097-0D85-4728-A8D3-D9B98F9B5A6C}"/>
               </a:ext>
             </a:extLst>
           </p:cNvPr>
@@ -2578,7 +2589,7 @@
           <p:cNvPr id="4" name="Дата 3">
             <a:extLst>
               <a:ext uri="{FF2B5EF4-FFF2-40B4-BE49-F238E27FC236}">
-                <a16:creationId xmlns="" xmlns:a16="http://schemas.microsoft.com/office/drawing/2014/main" id="{DC7B8248-5312-4A8C-BBBD-01CF29D13B2E}"/>
+                <a16:creationId xmlns:a16="http://schemas.microsoft.com/office/drawing/2014/main" id="{DC7B8248-5312-4A8C-BBBD-01CF29D13B2E}"/>
               </a:ext>
             </a:extLst>
           </p:cNvPr>
@@ -2597,7 +2608,7 @@
             <a:fld id="{FB06E79F-9B58-4AC9-B1DD-E4307872675E}" type="datetime1">
               <a:rPr lang="ru-RU" smtClean="0"/>
               <a:pPr/>
-              <a:t>27.09.2019</a:t>
+              <a:t>10.03.2020</a:t>
             </a:fld>
             <a:endParaRPr lang="ru-RU"/>
           </a:p>
@@ -2608,7 +2619,7 @@
           <p:cNvPr id="5" name="Нижний колонтитул 4">
             <a:extLst>
               <a:ext uri="{FF2B5EF4-FFF2-40B4-BE49-F238E27FC236}">
-                <a16:creationId xmlns="" xmlns:a16="http://schemas.microsoft.com/office/drawing/2014/main" id="{AC509C79-FB49-4EA7-96A9-1452B9D248BA}"/>
+                <a16:creationId xmlns:a16="http://schemas.microsoft.com/office/drawing/2014/main" id="{AC509C79-FB49-4EA7-96A9-1452B9D248BA}"/>
               </a:ext>
             </a:extLst>
           </p:cNvPr>
@@ -2633,7 +2644,7 @@
           <p:cNvPr id="6" name="Номер слайда 5">
             <a:extLst>
               <a:ext uri="{FF2B5EF4-FFF2-40B4-BE49-F238E27FC236}">
-                <a16:creationId xmlns="" xmlns:a16="http://schemas.microsoft.com/office/drawing/2014/main" id="{30D35395-5E54-4525-BA34-93404DC45CE5}"/>
+                <a16:creationId xmlns:a16="http://schemas.microsoft.com/office/drawing/2014/main" id="{30D35395-5E54-4525-BA34-93404DC45CE5}"/>
               </a:ext>
             </a:extLst>
           </p:cNvPr>
@@ -2693,7 +2704,7 @@
           <p:cNvPr id="2" name="Вертикальный заголовок 1">
             <a:extLst>
               <a:ext uri="{FF2B5EF4-FFF2-40B4-BE49-F238E27FC236}">
-                <a16:creationId xmlns="" xmlns:a16="http://schemas.microsoft.com/office/drawing/2014/main" id="{CD7B75B7-D4BD-4D67-AF94-391910B3C63F}"/>
+                <a16:creationId xmlns:a16="http://schemas.microsoft.com/office/drawing/2014/main" id="{CD7B75B7-D4BD-4D67-AF94-391910B3C63F}"/>
               </a:ext>
             </a:extLst>
           </p:cNvPr>
@@ -2726,7 +2737,7 @@
           <p:cNvPr id="3" name="Вертикальный текст 2">
             <a:extLst>
               <a:ext uri="{FF2B5EF4-FFF2-40B4-BE49-F238E27FC236}">
-                <a16:creationId xmlns="" xmlns:a16="http://schemas.microsoft.com/office/drawing/2014/main" id="{71533FAC-4D71-4409-A620-09A4DFADF013}"/>
+                <a16:creationId xmlns:a16="http://schemas.microsoft.com/office/drawing/2014/main" id="{71533FAC-4D71-4409-A620-09A4DFADF013}"/>
               </a:ext>
             </a:extLst>
           </p:cNvPr>
@@ -2788,7 +2799,7 @@
           <p:cNvPr id="4" name="Дата 3">
             <a:extLst>
               <a:ext uri="{FF2B5EF4-FFF2-40B4-BE49-F238E27FC236}">
-                <a16:creationId xmlns="" xmlns:a16="http://schemas.microsoft.com/office/drawing/2014/main" id="{AA48A348-B1F0-47E1-95C1-E3CACA76512B}"/>
+                <a16:creationId xmlns:a16="http://schemas.microsoft.com/office/drawing/2014/main" id="{AA48A348-B1F0-47E1-95C1-E3CACA76512B}"/>
               </a:ext>
             </a:extLst>
           </p:cNvPr>
@@ -2807,7 +2818,7 @@
             <a:fld id="{8F29015B-23FD-4CF6-ACB2-5F62F31FAD9C}" type="datetime1">
               <a:rPr lang="ru-RU" smtClean="0"/>
               <a:pPr/>
-              <a:t>27.09.2019</a:t>
+              <a:t>10.03.2020</a:t>
             </a:fld>
             <a:endParaRPr lang="ru-RU"/>
           </a:p>
@@ -2818,7 +2829,7 @@
           <p:cNvPr id="5" name="Нижний колонтитул 4">
             <a:extLst>
               <a:ext uri="{FF2B5EF4-FFF2-40B4-BE49-F238E27FC236}">
-                <a16:creationId xmlns="" xmlns:a16="http://schemas.microsoft.com/office/drawing/2014/main" id="{EBA9A10D-BB5F-4A55-BD70-C5E13A709376}"/>
+                <a16:creationId xmlns:a16="http://schemas.microsoft.com/office/drawing/2014/main" id="{EBA9A10D-BB5F-4A55-BD70-C5E13A709376}"/>
               </a:ext>
             </a:extLst>
           </p:cNvPr>
@@ -2843,7 +2854,7 @@
           <p:cNvPr id="6" name="Номер слайда 5">
             <a:extLst>
               <a:ext uri="{FF2B5EF4-FFF2-40B4-BE49-F238E27FC236}">
-                <a16:creationId xmlns="" xmlns:a16="http://schemas.microsoft.com/office/drawing/2014/main" id="{369F3DEE-5F7A-4B7D-B9A7-87EDD1504F96}"/>
+                <a16:creationId xmlns:a16="http://schemas.microsoft.com/office/drawing/2014/main" id="{369F3DEE-5F7A-4B7D-B9A7-87EDD1504F96}"/>
               </a:ext>
             </a:extLst>
           </p:cNvPr>
@@ -2903,7 +2914,7 @@
           <p:cNvPr id="2" name="Заголовок 1">
             <a:extLst>
               <a:ext uri="{FF2B5EF4-FFF2-40B4-BE49-F238E27FC236}">
-                <a16:creationId xmlns="" xmlns:a16="http://schemas.microsoft.com/office/drawing/2014/main" id="{C53FF527-3E7F-472D-9A4B-3FA5A372FD8F}"/>
+                <a16:creationId xmlns:a16="http://schemas.microsoft.com/office/drawing/2014/main" id="{C53FF527-3E7F-472D-9A4B-3FA5A372FD8F}"/>
               </a:ext>
             </a:extLst>
           </p:cNvPr>
@@ -2931,7 +2942,7 @@
           <p:cNvPr id="3" name="Объект 2">
             <a:extLst>
               <a:ext uri="{FF2B5EF4-FFF2-40B4-BE49-F238E27FC236}">
-                <a16:creationId xmlns="" xmlns:a16="http://schemas.microsoft.com/office/drawing/2014/main" id="{42A3FCC6-5E40-4DCE-8080-966F9A4F6CD7}"/>
+                <a16:creationId xmlns:a16="http://schemas.microsoft.com/office/drawing/2014/main" id="{42A3FCC6-5E40-4DCE-8080-966F9A4F6CD7}"/>
               </a:ext>
             </a:extLst>
           </p:cNvPr>
@@ -2988,7 +2999,7 @@
           <p:cNvPr id="4" name="Дата 3">
             <a:extLst>
               <a:ext uri="{FF2B5EF4-FFF2-40B4-BE49-F238E27FC236}">
-                <a16:creationId xmlns="" xmlns:a16="http://schemas.microsoft.com/office/drawing/2014/main" id="{2CE1A40B-9BF8-4B02-B8B0-7FAE3498A9FB}"/>
+                <a16:creationId xmlns:a16="http://schemas.microsoft.com/office/drawing/2014/main" id="{2CE1A40B-9BF8-4B02-B8B0-7FAE3498A9FB}"/>
               </a:ext>
             </a:extLst>
           </p:cNvPr>
@@ -3007,7 +3018,7 @@
             <a:fld id="{78279A00-F874-452C-8626-73642D6F7F2B}" type="datetime1">
               <a:rPr lang="ru-RU" smtClean="0"/>
               <a:pPr/>
-              <a:t>27.09.2019</a:t>
+              <a:t>10.03.2020</a:t>
             </a:fld>
             <a:endParaRPr lang="ru-RU"/>
           </a:p>
@@ -3018,7 +3029,7 @@
           <p:cNvPr id="5" name="Нижний колонтитул 4">
             <a:extLst>
               <a:ext uri="{FF2B5EF4-FFF2-40B4-BE49-F238E27FC236}">
-                <a16:creationId xmlns="" xmlns:a16="http://schemas.microsoft.com/office/drawing/2014/main" id="{C22C0C2F-44AD-4696-A1B8-84F48E413139}"/>
+                <a16:creationId xmlns:a16="http://schemas.microsoft.com/office/drawing/2014/main" id="{C22C0C2F-44AD-4696-A1B8-84F48E413139}"/>
               </a:ext>
             </a:extLst>
           </p:cNvPr>
@@ -3043,7 +3054,7 @@
           <p:cNvPr id="6" name="Номер слайда 5">
             <a:extLst>
               <a:ext uri="{FF2B5EF4-FFF2-40B4-BE49-F238E27FC236}">
-                <a16:creationId xmlns="" xmlns:a16="http://schemas.microsoft.com/office/drawing/2014/main" id="{23C269B7-72EE-459C-82C9-DBBBF1E2246F}"/>
+                <a16:creationId xmlns:a16="http://schemas.microsoft.com/office/drawing/2014/main" id="{23C269B7-72EE-459C-82C9-DBBBF1E2246F}"/>
               </a:ext>
             </a:extLst>
           </p:cNvPr>
@@ -3349,7 +3360,7 @@
           <p:cNvPr id="2" name="Заголовок 1">
             <a:extLst>
               <a:ext uri="{FF2B5EF4-FFF2-40B4-BE49-F238E27FC236}">
-                <a16:creationId xmlns="" xmlns:a16="http://schemas.microsoft.com/office/drawing/2014/main" id="{E5402626-4CA1-4150-9C04-7E9BFA2A996D}"/>
+                <a16:creationId xmlns:a16="http://schemas.microsoft.com/office/drawing/2014/main" id="{E5402626-4CA1-4150-9C04-7E9BFA2A996D}"/>
               </a:ext>
             </a:extLst>
           </p:cNvPr>
@@ -3386,7 +3397,7 @@
           <p:cNvPr id="3" name="Текст 2">
             <a:extLst>
               <a:ext uri="{FF2B5EF4-FFF2-40B4-BE49-F238E27FC236}">
-                <a16:creationId xmlns="" xmlns:a16="http://schemas.microsoft.com/office/drawing/2014/main" id="{EA273BBF-36E6-401C-B7BD-0D4968D4D442}"/>
+                <a16:creationId xmlns:a16="http://schemas.microsoft.com/office/drawing/2014/main" id="{EA273BBF-36E6-401C-B7BD-0D4968D4D442}"/>
               </a:ext>
             </a:extLst>
           </p:cNvPr>
@@ -3511,7 +3522,7 @@
           <p:cNvPr id="4" name="Дата 3">
             <a:extLst>
               <a:ext uri="{FF2B5EF4-FFF2-40B4-BE49-F238E27FC236}">
-                <a16:creationId xmlns="" xmlns:a16="http://schemas.microsoft.com/office/drawing/2014/main" id="{9B0D9F4B-A627-4D47-82A8-EE86DBE1045D}"/>
+                <a16:creationId xmlns:a16="http://schemas.microsoft.com/office/drawing/2014/main" id="{9B0D9F4B-A627-4D47-82A8-EE86DBE1045D}"/>
               </a:ext>
             </a:extLst>
           </p:cNvPr>
@@ -3530,7 +3541,7 @@
             <a:fld id="{5F924B74-0F81-4B1F-9CA6-CDB4054C2016}" type="datetime1">
               <a:rPr lang="ru-RU" smtClean="0"/>
               <a:pPr/>
-              <a:t>27.09.2019</a:t>
+              <a:t>10.03.2020</a:t>
             </a:fld>
             <a:endParaRPr lang="ru-RU"/>
           </a:p>
@@ -3541,7 +3552,7 @@
           <p:cNvPr id="5" name="Нижний колонтитул 4">
             <a:extLst>
               <a:ext uri="{FF2B5EF4-FFF2-40B4-BE49-F238E27FC236}">
-                <a16:creationId xmlns="" xmlns:a16="http://schemas.microsoft.com/office/drawing/2014/main" id="{E06F488C-C3EE-45A8-B896-EB9DA7345E82}"/>
+                <a16:creationId xmlns:a16="http://schemas.microsoft.com/office/drawing/2014/main" id="{E06F488C-C3EE-45A8-B896-EB9DA7345E82}"/>
               </a:ext>
             </a:extLst>
           </p:cNvPr>
@@ -3566,7 +3577,7 @@
           <p:cNvPr id="6" name="Номер слайда 5">
             <a:extLst>
               <a:ext uri="{FF2B5EF4-FFF2-40B4-BE49-F238E27FC236}">
-                <a16:creationId xmlns="" xmlns:a16="http://schemas.microsoft.com/office/drawing/2014/main" id="{D9E5198C-6CE2-451A-8470-B07D3A129D42}"/>
+                <a16:creationId xmlns:a16="http://schemas.microsoft.com/office/drawing/2014/main" id="{D9E5198C-6CE2-451A-8470-B07D3A129D42}"/>
               </a:ext>
             </a:extLst>
           </p:cNvPr>
@@ -3626,7 +3637,7 @@
           <p:cNvPr id="2" name="Заголовок 1">
             <a:extLst>
               <a:ext uri="{FF2B5EF4-FFF2-40B4-BE49-F238E27FC236}">
-                <a16:creationId xmlns="" xmlns:a16="http://schemas.microsoft.com/office/drawing/2014/main" id="{E1732FD1-D540-4670-BCE7-33AC7A1401D6}"/>
+                <a16:creationId xmlns:a16="http://schemas.microsoft.com/office/drawing/2014/main" id="{E1732FD1-D540-4670-BCE7-33AC7A1401D6}"/>
               </a:ext>
             </a:extLst>
           </p:cNvPr>
@@ -3654,7 +3665,7 @@
           <p:cNvPr id="3" name="Объект 2">
             <a:extLst>
               <a:ext uri="{FF2B5EF4-FFF2-40B4-BE49-F238E27FC236}">
-                <a16:creationId xmlns="" xmlns:a16="http://schemas.microsoft.com/office/drawing/2014/main" id="{99F21D3B-9C23-4422-843C-37851B78F1D4}"/>
+                <a16:creationId xmlns:a16="http://schemas.microsoft.com/office/drawing/2014/main" id="{99F21D3B-9C23-4422-843C-37851B78F1D4}"/>
               </a:ext>
             </a:extLst>
           </p:cNvPr>
@@ -3716,7 +3727,7 @@
           <p:cNvPr id="4" name="Объект 3">
             <a:extLst>
               <a:ext uri="{FF2B5EF4-FFF2-40B4-BE49-F238E27FC236}">
-                <a16:creationId xmlns="" xmlns:a16="http://schemas.microsoft.com/office/drawing/2014/main" id="{146A9760-F0BB-4ED8-B7A8-7B5B3C532A11}"/>
+                <a16:creationId xmlns:a16="http://schemas.microsoft.com/office/drawing/2014/main" id="{146A9760-F0BB-4ED8-B7A8-7B5B3C532A11}"/>
               </a:ext>
             </a:extLst>
           </p:cNvPr>
@@ -3778,7 +3789,7 @@
           <p:cNvPr id="5" name="Дата 4">
             <a:extLst>
               <a:ext uri="{FF2B5EF4-FFF2-40B4-BE49-F238E27FC236}">
-                <a16:creationId xmlns="" xmlns:a16="http://schemas.microsoft.com/office/drawing/2014/main" id="{7DEB7EBC-8E84-4C13-A31B-0460751B87E7}"/>
+                <a16:creationId xmlns:a16="http://schemas.microsoft.com/office/drawing/2014/main" id="{7DEB7EBC-8E84-4C13-A31B-0460751B87E7}"/>
               </a:ext>
             </a:extLst>
           </p:cNvPr>
@@ -3797,7 +3808,7 @@
             <a:fld id="{60EFCA15-67F5-4CAE-9B12-0EFF1BB294BA}" type="datetime1">
               <a:rPr lang="ru-RU" smtClean="0"/>
               <a:pPr/>
-              <a:t>27.09.2019</a:t>
+              <a:t>10.03.2020</a:t>
             </a:fld>
             <a:endParaRPr lang="ru-RU"/>
           </a:p>
@@ -3808,7 +3819,7 @@
           <p:cNvPr id="6" name="Нижний колонтитул 5">
             <a:extLst>
               <a:ext uri="{FF2B5EF4-FFF2-40B4-BE49-F238E27FC236}">
-                <a16:creationId xmlns="" xmlns:a16="http://schemas.microsoft.com/office/drawing/2014/main" id="{142933A0-0CF6-4439-A3CD-A80CEC5D141D}"/>
+                <a16:creationId xmlns:a16="http://schemas.microsoft.com/office/drawing/2014/main" id="{142933A0-0CF6-4439-A3CD-A80CEC5D141D}"/>
               </a:ext>
             </a:extLst>
           </p:cNvPr>
@@ -3833,7 +3844,7 @@
           <p:cNvPr id="7" name="Номер слайда 6">
             <a:extLst>
               <a:ext uri="{FF2B5EF4-FFF2-40B4-BE49-F238E27FC236}">
-                <a16:creationId xmlns="" xmlns:a16="http://schemas.microsoft.com/office/drawing/2014/main" id="{8325A539-51D1-4D93-B313-5B89D8C01465}"/>
+                <a16:creationId xmlns:a16="http://schemas.microsoft.com/office/drawing/2014/main" id="{8325A539-51D1-4D93-B313-5B89D8C01465}"/>
               </a:ext>
             </a:extLst>
           </p:cNvPr>
@@ -3893,7 +3904,7 @@
           <p:cNvPr id="2" name="Заголовок 1">
             <a:extLst>
               <a:ext uri="{FF2B5EF4-FFF2-40B4-BE49-F238E27FC236}">
-                <a16:creationId xmlns="" xmlns:a16="http://schemas.microsoft.com/office/drawing/2014/main" id="{98D28C85-3B68-4182-B8E5-F96030F8A0A1}"/>
+                <a16:creationId xmlns:a16="http://schemas.microsoft.com/office/drawing/2014/main" id="{98D28C85-3B68-4182-B8E5-F96030F8A0A1}"/>
               </a:ext>
             </a:extLst>
           </p:cNvPr>
@@ -3926,7 +3937,7 @@
           <p:cNvPr id="3" name="Текст 2">
             <a:extLst>
               <a:ext uri="{FF2B5EF4-FFF2-40B4-BE49-F238E27FC236}">
-                <a16:creationId xmlns="" xmlns:a16="http://schemas.microsoft.com/office/drawing/2014/main" id="{9D50FB93-CA9D-45D6-B973-8DE0B3D1C569}"/>
+                <a16:creationId xmlns:a16="http://schemas.microsoft.com/office/drawing/2014/main" id="{9D50FB93-CA9D-45D6-B973-8DE0B3D1C569}"/>
               </a:ext>
             </a:extLst>
           </p:cNvPr>
@@ -3997,7 +4008,7 @@
           <p:cNvPr id="4" name="Объект 3">
             <a:extLst>
               <a:ext uri="{FF2B5EF4-FFF2-40B4-BE49-F238E27FC236}">
-                <a16:creationId xmlns="" xmlns:a16="http://schemas.microsoft.com/office/drawing/2014/main" id="{49FDA402-1B6F-488B-B119-F071D326A159}"/>
+                <a16:creationId xmlns:a16="http://schemas.microsoft.com/office/drawing/2014/main" id="{49FDA402-1B6F-488B-B119-F071D326A159}"/>
               </a:ext>
             </a:extLst>
           </p:cNvPr>
@@ -4059,7 +4070,7 @@
           <p:cNvPr id="5" name="Текст 4">
             <a:extLst>
               <a:ext uri="{FF2B5EF4-FFF2-40B4-BE49-F238E27FC236}">
-                <a16:creationId xmlns="" xmlns:a16="http://schemas.microsoft.com/office/drawing/2014/main" id="{2AF6F45F-1171-4A56-93AF-A76E8E1EDB8C}"/>
+                <a16:creationId xmlns:a16="http://schemas.microsoft.com/office/drawing/2014/main" id="{2AF6F45F-1171-4A56-93AF-A76E8E1EDB8C}"/>
               </a:ext>
             </a:extLst>
           </p:cNvPr>
@@ -4130,7 +4141,7 @@
           <p:cNvPr id="6" name="Объект 5">
             <a:extLst>
               <a:ext uri="{FF2B5EF4-FFF2-40B4-BE49-F238E27FC236}">
-                <a16:creationId xmlns="" xmlns:a16="http://schemas.microsoft.com/office/drawing/2014/main" id="{AB3A7744-A307-4B21-897D-ADE9861F3CD2}"/>
+                <a16:creationId xmlns:a16="http://schemas.microsoft.com/office/drawing/2014/main" id="{AB3A7744-A307-4B21-897D-ADE9861F3CD2}"/>
               </a:ext>
             </a:extLst>
           </p:cNvPr>
@@ -4192,7 +4203,7 @@
           <p:cNvPr id="7" name="Дата 6">
             <a:extLst>
               <a:ext uri="{FF2B5EF4-FFF2-40B4-BE49-F238E27FC236}">
-                <a16:creationId xmlns="" xmlns:a16="http://schemas.microsoft.com/office/drawing/2014/main" id="{AF44C70D-90F3-4F0C-A728-10996D46D780}"/>
+                <a16:creationId xmlns:a16="http://schemas.microsoft.com/office/drawing/2014/main" id="{AF44C70D-90F3-4F0C-A728-10996D46D780}"/>
               </a:ext>
             </a:extLst>
           </p:cNvPr>
@@ -4211,7 +4222,7 @@
             <a:fld id="{465A86C8-94EF-471A-9AD9-96E7744001FA}" type="datetime1">
               <a:rPr lang="ru-RU" smtClean="0"/>
               <a:pPr/>
-              <a:t>27.09.2019</a:t>
+              <a:t>10.03.2020</a:t>
             </a:fld>
             <a:endParaRPr lang="ru-RU"/>
           </a:p>
@@ -4222,7 +4233,7 @@
           <p:cNvPr id="8" name="Нижний колонтитул 7">
             <a:extLst>
               <a:ext uri="{FF2B5EF4-FFF2-40B4-BE49-F238E27FC236}">
-                <a16:creationId xmlns="" xmlns:a16="http://schemas.microsoft.com/office/drawing/2014/main" id="{62CD3AB3-37B4-4986-8624-F89318500D1C}"/>
+                <a16:creationId xmlns:a16="http://schemas.microsoft.com/office/drawing/2014/main" id="{62CD3AB3-37B4-4986-8624-F89318500D1C}"/>
               </a:ext>
             </a:extLst>
           </p:cNvPr>
@@ -4247,7 +4258,7 @@
           <p:cNvPr id="9" name="Номер слайда 8">
             <a:extLst>
               <a:ext uri="{FF2B5EF4-FFF2-40B4-BE49-F238E27FC236}">
-                <a16:creationId xmlns="" xmlns:a16="http://schemas.microsoft.com/office/drawing/2014/main" id="{3DCA8798-CDEF-4447-ABE9-6BD805FEE0CF}"/>
+                <a16:creationId xmlns:a16="http://schemas.microsoft.com/office/drawing/2014/main" id="{3DCA8798-CDEF-4447-ABE9-6BD805FEE0CF}"/>
               </a:ext>
             </a:extLst>
           </p:cNvPr>
@@ -4307,7 +4318,7 @@
           <p:cNvPr id="2" name="Заголовок 1">
             <a:extLst>
               <a:ext uri="{FF2B5EF4-FFF2-40B4-BE49-F238E27FC236}">
-                <a16:creationId xmlns="" xmlns:a16="http://schemas.microsoft.com/office/drawing/2014/main" id="{60DFE651-7BEC-440A-B54F-2F43CD71F038}"/>
+                <a16:creationId xmlns:a16="http://schemas.microsoft.com/office/drawing/2014/main" id="{60DFE651-7BEC-440A-B54F-2F43CD71F038}"/>
               </a:ext>
             </a:extLst>
           </p:cNvPr>
@@ -4335,7 +4346,7 @@
           <p:cNvPr id="3" name="Дата 2">
             <a:extLst>
               <a:ext uri="{FF2B5EF4-FFF2-40B4-BE49-F238E27FC236}">
-                <a16:creationId xmlns="" xmlns:a16="http://schemas.microsoft.com/office/drawing/2014/main" id="{309214BD-F9D2-4AC9-9A31-A3CE4284BD97}"/>
+                <a16:creationId xmlns:a16="http://schemas.microsoft.com/office/drawing/2014/main" id="{309214BD-F9D2-4AC9-9A31-A3CE4284BD97}"/>
               </a:ext>
             </a:extLst>
           </p:cNvPr>
@@ -4354,7 +4365,7 @@
             <a:fld id="{267FA3F0-2D48-4F34-AE41-FE5241BF3DEE}" type="datetime1">
               <a:rPr lang="ru-RU" smtClean="0"/>
               <a:pPr/>
-              <a:t>27.09.2019</a:t>
+              <a:t>10.03.2020</a:t>
             </a:fld>
             <a:endParaRPr lang="ru-RU"/>
           </a:p>
@@ -4365,7 +4376,7 @@
           <p:cNvPr id="4" name="Нижний колонтитул 3">
             <a:extLst>
               <a:ext uri="{FF2B5EF4-FFF2-40B4-BE49-F238E27FC236}">
-                <a16:creationId xmlns="" xmlns:a16="http://schemas.microsoft.com/office/drawing/2014/main" id="{055A80A0-681C-408C-824D-E948CA1F13C4}"/>
+                <a16:creationId xmlns:a16="http://schemas.microsoft.com/office/drawing/2014/main" id="{055A80A0-681C-408C-824D-E948CA1F13C4}"/>
               </a:ext>
             </a:extLst>
           </p:cNvPr>
@@ -4390,7 +4401,7 @@
           <p:cNvPr id="5" name="Номер слайда 4">
             <a:extLst>
               <a:ext uri="{FF2B5EF4-FFF2-40B4-BE49-F238E27FC236}">
-                <a16:creationId xmlns="" xmlns:a16="http://schemas.microsoft.com/office/drawing/2014/main" id="{E2CE2D15-C35D-44B4-9BC3-2A766C3FEAFD}"/>
+                <a16:creationId xmlns:a16="http://schemas.microsoft.com/office/drawing/2014/main" id="{E2CE2D15-C35D-44B4-9BC3-2A766C3FEAFD}"/>
               </a:ext>
             </a:extLst>
           </p:cNvPr>
@@ -4450,7 +4461,7 @@
           <p:cNvPr id="2" name="Дата 1">
             <a:extLst>
               <a:ext uri="{FF2B5EF4-FFF2-40B4-BE49-F238E27FC236}">
-                <a16:creationId xmlns="" xmlns:a16="http://schemas.microsoft.com/office/drawing/2014/main" id="{E27D0146-107D-40E5-BEAC-E72528BD6D80}"/>
+                <a16:creationId xmlns:a16="http://schemas.microsoft.com/office/drawing/2014/main" id="{E27D0146-107D-40E5-BEAC-E72528BD6D80}"/>
               </a:ext>
             </a:extLst>
           </p:cNvPr>
@@ -4469,7 +4480,7 @@
             <a:fld id="{11C1D065-E68F-4FAA-860C-165C4264DE12}" type="datetime1">
               <a:rPr lang="ru-RU" smtClean="0"/>
               <a:pPr/>
-              <a:t>27.09.2019</a:t>
+              <a:t>10.03.2020</a:t>
             </a:fld>
             <a:endParaRPr lang="ru-RU"/>
           </a:p>
@@ -4480,7 +4491,7 @@
           <p:cNvPr id="3" name="Нижний колонтитул 2">
             <a:extLst>
               <a:ext uri="{FF2B5EF4-FFF2-40B4-BE49-F238E27FC236}">
-                <a16:creationId xmlns="" xmlns:a16="http://schemas.microsoft.com/office/drawing/2014/main" id="{81F5594D-62B6-4E5D-8AA4-8BC7CC6FEFBC}"/>
+                <a16:creationId xmlns:a16="http://schemas.microsoft.com/office/drawing/2014/main" id="{81F5594D-62B6-4E5D-8AA4-8BC7CC6FEFBC}"/>
               </a:ext>
             </a:extLst>
           </p:cNvPr>
@@ -4505,7 +4516,7 @@
           <p:cNvPr id="4" name="Номер слайда 3">
             <a:extLst>
               <a:ext uri="{FF2B5EF4-FFF2-40B4-BE49-F238E27FC236}">
-                <a16:creationId xmlns="" xmlns:a16="http://schemas.microsoft.com/office/drawing/2014/main" id="{04C852E0-1BEE-44C1-9AB9-43F99EBCEAF9}"/>
+                <a16:creationId xmlns:a16="http://schemas.microsoft.com/office/drawing/2014/main" id="{04C852E0-1BEE-44C1-9AB9-43F99EBCEAF9}"/>
               </a:ext>
             </a:extLst>
           </p:cNvPr>
@@ -4565,7 +4576,7 @@
           <p:cNvPr id="2" name="Заголовок 1">
             <a:extLst>
               <a:ext uri="{FF2B5EF4-FFF2-40B4-BE49-F238E27FC236}">
-                <a16:creationId xmlns="" xmlns:a16="http://schemas.microsoft.com/office/drawing/2014/main" id="{E3C9BE37-567C-43DB-AD8E-54046CC28B7C}"/>
+                <a16:creationId xmlns:a16="http://schemas.microsoft.com/office/drawing/2014/main" id="{E3C9BE37-567C-43DB-AD8E-54046CC28B7C}"/>
               </a:ext>
             </a:extLst>
           </p:cNvPr>
@@ -4602,7 +4613,7 @@
           <p:cNvPr id="3" name="Объект 2">
             <a:extLst>
               <a:ext uri="{FF2B5EF4-FFF2-40B4-BE49-F238E27FC236}">
-                <a16:creationId xmlns="" xmlns:a16="http://schemas.microsoft.com/office/drawing/2014/main" id="{53BB098C-4750-48E6-8F1F-88C03AEF667D}"/>
+                <a16:creationId xmlns:a16="http://schemas.microsoft.com/office/drawing/2014/main" id="{53BB098C-4750-48E6-8F1F-88C03AEF667D}"/>
               </a:ext>
             </a:extLst>
           </p:cNvPr>
@@ -4692,7 +4703,7 @@
           <p:cNvPr id="4" name="Текст 3">
             <a:extLst>
               <a:ext uri="{FF2B5EF4-FFF2-40B4-BE49-F238E27FC236}">
-                <a16:creationId xmlns="" xmlns:a16="http://schemas.microsoft.com/office/drawing/2014/main" id="{A5A4DD80-9D71-4600-B3B1-69AC4B8A2503}"/>
+                <a16:creationId xmlns:a16="http://schemas.microsoft.com/office/drawing/2014/main" id="{A5A4DD80-9D71-4600-B3B1-69AC4B8A2503}"/>
               </a:ext>
             </a:extLst>
           </p:cNvPr>
@@ -4763,7 +4774,7 @@
           <p:cNvPr id="5" name="Дата 4">
             <a:extLst>
               <a:ext uri="{FF2B5EF4-FFF2-40B4-BE49-F238E27FC236}">
-                <a16:creationId xmlns="" xmlns:a16="http://schemas.microsoft.com/office/drawing/2014/main" id="{FD9B2353-9FA8-4B59-8451-2CB9D5C70050}"/>
+                <a16:creationId xmlns:a16="http://schemas.microsoft.com/office/drawing/2014/main" id="{FD9B2353-9FA8-4B59-8451-2CB9D5C70050}"/>
               </a:ext>
             </a:extLst>
           </p:cNvPr>
@@ -4782,7 +4793,7 @@
             <a:fld id="{CE94AE7E-BA0F-491F-831D-79EE72363372}" type="datetime1">
               <a:rPr lang="ru-RU" smtClean="0"/>
               <a:pPr/>
-              <a:t>27.09.2019</a:t>
+              <a:t>10.03.2020</a:t>
             </a:fld>
             <a:endParaRPr lang="ru-RU"/>
           </a:p>
@@ -4793,7 +4804,7 @@
           <p:cNvPr id="6" name="Нижний колонтитул 5">
             <a:extLst>
               <a:ext uri="{FF2B5EF4-FFF2-40B4-BE49-F238E27FC236}">
-                <a16:creationId xmlns="" xmlns:a16="http://schemas.microsoft.com/office/drawing/2014/main" id="{BF8DC661-F73A-4FE0-BA73-5BE826353586}"/>
+                <a16:creationId xmlns:a16="http://schemas.microsoft.com/office/drawing/2014/main" id="{BF8DC661-F73A-4FE0-BA73-5BE826353586}"/>
               </a:ext>
             </a:extLst>
           </p:cNvPr>
@@ -4818,7 +4829,7 @@
           <p:cNvPr id="7" name="Номер слайда 6">
             <a:extLst>
               <a:ext uri="{FF2B5EF4-FFF2-40B4-BE49-F238E27FC236}">
-                <a16:creationId xmlns="" xmlns:a16="http://schemas.microsoft.com/office/drawing/2014/main" id="{23AB84FC-E656-41EF-9F47-2FEDC977CA30}"/>
+                <a16:creationId xmlns:a16="http://schemas.microsoft.com/office/drawing/2014/main" id="{23AB84FC-E656-41EF-9F47-2FEDC977CA30}"/>
               </a:ext>
             </a:extLst>
           </p:cNvPr>
@@ -4878,7 +4889,7 @@
           <p:cNvPr id="2" name="Заголовок 1">
             <a:extLst>
               <a:ext uri="{FF2B5EF4-FFF2-40B4-BE49-F238E27FC236}">
-                <a16:creationId xmlns="" xmlns:a16="http://schemas.microsoft.com/office/drawing/2014/main" id="{EA7EAF76-BF7F-46C8-9449-07572D57EBD5}"/>
+                <a16:creationId xmlns:a16="http://schemas.microsoft.com/office/drawing/2014/main" id="{EA7EAF76-BF7F-46C8-9449-07572D57EBD5}"/>
               </a:ext>
             </a:extLst>
           </p:cNvPr>
@@ -4915,7 +4926,7 @@
           <p:cNvPr id="3" name="Рисунок 2">
             <a:extLst>
               <a:ext uri="{FF2B5EF4-FFF2-40B4-BE49-F238E27FC236}">
-                <a16:creationId xmlns="" xmlns:a16="http://schemas.microsoft.com/office/drawing/2014/main" id="{C0FCF3ED-7C5F-4036-95A1-3770D3206E2E}"/>
+                <a16:creationId xmlns:a16="http://schemas.microsoft.com/office/drawing/2014/main" id="{C0FCF3ED-7C5F-4036-95A1-3770D3206E2E}"/>
               </a:ext>
             </a:extLst>
           </p:cNvPr>
@@ -4982,7 +4993,7 @@
           <p:cNvPr id="4" name="Текст 3">
             <a:extLst>
               <a:ext uri="{FF2B5EF4-FFF2-40B4-BE49-F238E27FC236}">
-                <a16:creationId xmlns="" xmlns:a16="http://schemas.microsoft.com/office/drawing/2014/main" id="{19E6494D-07D0-4CE1-B928-C8469DDF7DAE}"/>
+                <a16:creationId xmlns:a16="http://schemas.microsoft.com/office/drawing/2014/main" id="{19E6494D-07D0-4CE1-B928-C8469DDF7DAE}"/>
               </a:ext>
             </a:extLst>
           </p:cNvPr>
@@ -5053,7 +5064,7 @@
           <p:cNvPr id="5" name="Дата 4">
             <a:extLst>
               <a:ext uri="{FF2B5EF4-FFF2-40B4-BE49-F238E27FC236}">
-                <a16:creationId xmlns="" xmlns:a16="http://schemas.microsoft.com/office/drawing/2014/main" id="{FFC58344-D063-4496-9CF8-702E621FD1F5}"/>
+                <a16:creationId xmlns:a16="http://schemas.microsoft.com/office/drawing/2014/main" id="{FFC58344-D063-4496-9CF8-702E621FD1F5}"/>
               </a:ext>
             </a:extLst>
           </p:cNvPr>
@@ -5072,7 +5083,7 @@
             <a:fld id="{E2DEFC83-CA51-4B6E-B6D0-269F86B3164B}" type="datetime1">
               <a:rPr lang="ru-RU" smtClean="0"/>
               <a:pPr/>
-              <a:t>27.09.2019</a:t>
+              <a:t>10.03.2020</a:t>
             </a:fld>
             <a:endParaRPr lang="ru-RU"/>
           </a:p>
@@ -5083,7 +5094,7 @@
           <p:cNvPr id="6" name="Нижний колонтитул 5">
             <a:extLst>
               <a:ext uri="{FF2B5EF4-FFF2-40B4-BE49-F238E27FC236}">
-                <a16:creationId xmlns="" xmlns:a16="http://schemas.microsoft.com/office/drawing/2014/main" id="{16B99ACB-87A5-4F06-B4CB-1384B30790D5}"/>
+                <a16:creationId xmlns:a16="http://schemas.microsoft.com/office/drawing/2014/main" id="{16B99ACB-87A5-4F06-B4CB-1384B30790D5}"/>
               </a:ext>
             </a:extLst>
           </p:cNvPr>
@@ -5108,7 +5119,7 @@
           <p:cNvPr id="7" name="Номер слайда 6">
             <a:extLst>
               <a:ext uri="{FF2B5EF4-FFF2-40B4-BE49-F238E27FC236}">
-                <a16:creationId xmlns="" xmlns:a16="http://schemas.microsoft.com/office/drawing/2014/main" id="{DA5602B0-39E6-4FCD-85B9-AD2460205504}"/>
+                <a16:creationId xmlns:a16="http://schemas.microsoft.com/office/drawing/2014/main" id="{DA5602B0-39E6-4FCD-85B9-AD2460205504}"/>
               </a:ext>
             </a:extLst>
           </p:cNvPr>
@@ -5204,7 +5215,7 @@
           <p:cNvPr id="2" name="Заголовок 1">
             <a:extLst>
               <a:ext uri="{FF2B5EF4-FFF2-40B4-BE49-F238E27FC236}">
-                <a16:creationId xmlns="" xmlns:a16="http://schemas.microsoft.com/office/drawing/2014/main" id="{FA38CF58-9362-4FE8-8D3E-9B22BC735A7F}"/>
+                <a16:creationId xmlns:a16="http://schemas.microsoft.com/office/drawing/2014/main" id="{FA38CF58-9362-4FE8-8D3E-9B22BC735A7F}"/>
               </a:ext>
             </a:extLst>
           </p:cNvPr>
@@ -5242,7 +5253,7 @@
           <p:cNvPr id="3" name="Текст 2">
             <a:extLst>
               <a:ext uri="{FF2B5EF4-FFF2-40B4-BE49-F238E27FC236}">
-                <a16:creationId xmlns="" xmlns:a16="http://schemas.microsoft.com/office/drawing/2014/main" id="{9A795793-4F0B-4EE5-9DA2-DF9983781E68}"/>
+                <a16:creationId xmlns:a16="http://schemas.microsoft.com/office/drawing/2014/main" id="{9A795793-4F0B-4EE5-9DA2-DF9983781E68}"/>
               </a:ext>
             </a:extLst>
           </p:cNvPr>
@@ -5309,7 +5320,7 @@
           <p:cNvPr id="4" name="Дата 3">
             <a:extLst>
               <a:ext uri="{FF2B5EF4-FFF2-40B4-BE49-F238E27FC236}">
-                <a16:creationId xmlns="" xmlns:a16="http://schemas.microsoft.com/office/drawing/2014/main" id="{A2200860-2803-4128-98AD-C9DA035853CF}"/>
+                <a16:creationId xmlns:a16="http://schemas.microsoft.com/office/drawing/2014/main" id="{A2200860-2803-4128-98AD-C9DA035853CF}"/>
               </a:ext>
             </a:extLst>
           </p:cNvPr>
@@ -5346,7 +5357,7 @@
             <a:fld id="{4BA5D0D4-048A-48AF-9604-685FFBD5CCB3}" type="datetime1">
               <a:rPr lang="ru-RU" smtClean="0"/>
               <a:pPr/>
-              <a:t>27.09.2019</a:t>
+              <a:t>10.03.2020</a:t>
             </a:fld>
             <a:endParaRPr lang="ru-RU"/>
           </a:p>
@@ -5357,7 +5368,7 @@
           <p:cNvPr id="5" name="Нижний колонтитул 4">
             <a:extLst>
               <a:ext uri="{FF2B5EF4-FFF2-40B4-BE49-F238E27FC236}">
-                <a16:creationId xmlns="" xmlns:a16="http://schemas.microsoft.com/office/drawing/2014/main" id="{BC493C26-DF42-4064-9A9E-DB5C495EB9B3}"/>
+                <a16:creationId xmlns:a16="http://schemas.microsoft.com/office/drawing/2014/main" id="{BC493C26-DF42-4064-9A9E-DB5C495EB9B3}"/>
               </a:ext>
             </a:extLst>
           </p:cNvPr>
@@ -5400,7 +5411,7 @@
           <p:cNvPr id="6" name="Номер слайда 5">
             <a:extLst>
               <a:ext uri="{FF2B5EF4-FFF2-40B4-BE49-F238E27FC236}">
-                <a16:creationId xmlns="" xmlns:a16="http://schemas.microsoft.com/office/drawing/2014/main" id="{7ACAC053-5E7B-4EE7-BE64-526AEC502E5F}"/>
+                <a16:creationId xmlns:a16="http://schemas.microsoft.com/office/drawing/2014/main" id="{7ACAC053-5E7B-4EE7-BE64-526AEC502E5F}"/>
               </a:ext>
             </a:extLst>
           </p:cNvPr>
@@ -5768,7 +5779,7 @@
           <p:cNvPr id="2" name="Заголовок 1">
             <a:extLst>
               <a:ext uri="{FF2B5EF4-FFF2-40B4-BE49-F238E27FC236}">
-                <a16:creationId xmlns="" xmlns:a16="http://schemas.microsoft.com/office/drawing/2014/main" id="{EFAEF461-7EEA-4602-8FE2-41EC33C0D375}"/>
+                <a16:creationId xmlns:a16="http://schemas.microsoft.com/office/drawing/2014/main" id="{EFAEF461-7EEA-4602-8FE2-41EC33C0D375}"/>
               </a:ext>
             </a:extLst>
           </p:cNvPr>
@@ -5804,7 +5815,7 @@
           <p:cNvPr id="3" name="Подзаголовок 2">
             <a:extLst>
               <a:ext uri="{FF2B5EF4-FFF2-40B4-BE49-F238E27FC236}">
-                <a16:creationId xmlns="" xmlns:a16="http://schemas.microsoft.com/office/drawing/2014/main" id="{419AE229-AA46-4B65-8388-B525A9E78A64}"/>
+                <a16:creationId xmlns:a16="http://schemas.microsoft.com/office/drawing/2014/main" id="{419AE229-AA46-4B65-8388-B525A9E78A64}"/>
               </a:ext>
             </a:extLst>
           </p:cNvPr>
@@ -6136,7 +6147,7 @@
           <p:cNvPr id="2" name="Заголовок 1">
             <a:extLst>
               <a:ext uri="{FF2B5EF4-FFF2-40B4-BE49-F238E27FC236}">
-                <a16:creationId xmlns="" xmlns:a16="http://schemas.microsoft.com/office/drawing/2014/main" id="{560BA4D8-D831-44A3-B3DA-0AD9C692E524}"/>
+                <a16:creationId xmlns:a16="http://schemas.microsoft.com/office/drawing/2014/main" id="{560BA4D8-D831-44A3-B3DA-0AD9C692E524}"/>
               </a:ext>
             </a:extLst>
           </p:cNvPr>
@@ -6329,7 +6340,7 @@
           <p:cNvPr id="2" name="Заголовок 1">
             <a:extLst>
               <a:ext uri="{FF2B5EF4-FFF2-40B4-BE49-F238E27FC236}">
-                <a16:creationId xmlns="" xmlns:a16="http://schemas.microsoft.com/office/drawing/2014/main" id="{560BA4D8-D831-44A3-B3DA-0AD9C692E524}"/>
+                <a16:creationId xmlns:a16="http://schemas.microsoft.com/office/drawing/2014/main" id="{560BA4D8-D831-44A3-B3DA-0AD9C692E524}"/>
               </a:ext>
             </a:extLst>
           </p:cNvPr>
@@ -6569,7 +6580,7 @@
           <p:cNvPr id="2" name="Заголовок 1">
             <a:extLst>
               <a:ext uri="{FF2B5EF4-FFF2-40B4-BE49-F238E27FC236}">
-                <a16:creationId xmlns="" xmlns:a16="http://schemas.microsoft.com/office/drawing/2014/main" id="{560BA4D8-D831-44A3-B3DA-0AD9C692E524}"/>
+                <a16:creationId xmlns:a16="http://schemas.microsoft.com/office/drawing/2014/main" id="{560BA4D8-D831-44A3-B3DA-0AD9C692E524}"/>
               </a:ext>
             </a:extLst>
           </p:cNvPr>
@@ -6959,7 +6970,7 @@
           <p:cNvPr id="2" name="Заголовок 1">
             <a:extLst>
               <a:ext uri="{FF2B5EF4-FFF2-40B4-BE49-F238E27FC236}">
-                <a16:creationId xmlns="" xmlns:a16="http://schemas.microsoft.com/office/drawing/2014/main" id="{560BA4D8-D831-44A3-B3DA-0AD9C692E524}"/>
+                <a16:creationId xmlns:a16="http://schemas.microsoft.com/office/drawing/2014/main" id="{560BA4D8-D831-44A3-B3DA-0AD9C692E524}"/>
               </a:ext>
             </a:extLst>
           </p:cNvPr>
@@ -7160,7 +7171,7 @@
           <p:cNvPr id="2" name="Заголовок 1">
             <a:extLst>
               <a:ext uri="{FF2B5EF4-FFF2-40B4-BE49-F238E27FC236}">
-                <a16:creationId xmlns="" xmlns:a16="http://schemas.microsoft.com/office/drawing/2014/main" id="{560BA4D8-D831-44A3-B3DA-0AD9C692E524}"/>
+                <a16:creationId xmlns:a16="http://schemas.microsoft.com/office/drawing/2014/main" id="{560BA4D8-D831-44A3-B3DA-0AD9C692E524}"/>
               </a:ext>
             </a:extLst>
           </p:cNvPr>
@@ -7191,8 +7202,8 @@
           </a:p>
         </p:txBody>
       </p:sp>
-      <mc:AlternateContent xmlns:mc="http://schemas.openxmlformats.org/markup-compatibility/2006">
-        <mc:Choice xmlns:a14="http://schemas.microsoft.com/office/drawing/2010/main" Requires="a14">
+      <mc:AlternateContent xmlns:mc="http://schemas.openxmlformats.org/markup-compatibility/2006" xmlns:a14="http://schemas.microsoft.com/office/drawing/2010/main">
+        <mc:Choice Requires="a14">
           <p:sp>
             <p:nvSpPr>
               <p:cNvPr id="6" name="Объект 5"/>
@@ -7224,7 +7235,7 @@
                       <m:sSubPr>
                         <m:ctrlPr>
                           <a:rPr lang="ru-RU" i="1" smtClean="0">
-                            <a:latin typeface="Cambria Math"/>
+                            <a:latin typeface="Cambria Math" panose="02040503050406030204" pitchFamily="18" charset="0"/>
                           </a:rPr>
                         </m:ctrlPr>
                       </m:sSubPr>
@@ -7340,7 +7351,7 @@
                         <m:fPr>
                           <m:ctrlPr>
                             <a:rPr lang="en-US" b="0" i="1" smtClean="0">
-                              <a:latin typeface="Cambria Math"/>
+                              <a:latin typeface="Cambria Math" panose="02040503050406030204" pitchFamily="18" charset="0"/>
                             </a:rPr>
                           </m:ctrlPr>
                         </m:fPr>
@@ -7366,7 +7377,7 @@
                           <m:chr m:val="∑"/>
                           <m:ctrlPr>
                             <a:rPr lang="en-US" b="0" i="1" smtClean="0">
-                              <a:latin typeface="Cambria Math"/>
+                              <a:latin typeface="Cambria Math" panose="02040503050406030204" pitchFamily="18" charset="0"/>
                             </a:rPr>
                           </m:ctrlPr>
                         </m:naryPr>
@@ -7400,7 +7411,7 @@
                             <m:sSubPr>
                               <m:ctrlPr>
                                 <a:rPr lang="en-US" b="0" i="1" smtClean="0">
-                                  <a:latin typeface="Cambria Math"/>
+                                  <a:latin typeface="Cambria Math" panose="02040503050406030204" pitchFamily="18" charset="0"/>
                                 </a:rPr>
                               </m:ctrlPr>
                             </m:sSubPr>
@@ -7425,7 +7436,7 @@
                             <m:sSubPr>
                               <m:ctrlPr>
                                 <a:rPr lang="en-US" b="0" i="1" smtClean="0">
-                                  <a:latin typeface="Cambria Math"/>
+                                  <a:latin typeface="Cambria Math" panose="02040503050406030204" pitchFamily="18" charset="0"/>
                                 </a:rPr>
                               </m:ctrlPr>
                             </m:sSubPr>
@@ -7498,7 +7509,7 @@
                         <m:sSubPr>
                           <m:ctrlPr>
                             <a:rPr lang="ru-RU" i="1" smtClean="0">
-                              <a:latin typeface="Cambria Math"/>
+                              <a:latin typeface="Cambria Math" panose="02040503050406030204" pitchFamily="18" charset="0"/>
                             </a:rPr>
                           </m:ctrlPr>
                         </m:sSubPr>
@@ -7529,7 +7540,7 @@
                         <m:fPr>
                           <m:ctrlPr>
                             <a:rPr lang="en-US" b="0" i="1" smtClean="0">
-                              <a:latin typeface="Cambria Math"/>
+                              <a:latin typeface="Cambria Math" panose="02040503050406030204" pitchFamily="18" charset="0"/>
                             </a:rPr>
                           </m:ctrlPr>
                         </m:fPr>
@@ -7538,7 +7549,7 @@
                             <m:sSubPr>
                               <m:ctrlPr>
                                 <a:rPr lang="en-US" b="0" i="1" smtClean="0">
-                                  <a:latin typeface="Cambria Math"/>
+                                  <a:latin typeface="Cambria Math" panose="02040503050406030204" pitchFamily="18" charset="0"/>
                                 </a:rPr>
                               </m:ctrlPr>
                             </m:sSubPr>
@@ -7624,7 +7635,7 @@
                           <m:degHide m:val="on"/>
                           <m:ctrlPr>
                             <a:rPr lang="en-US" b="0" i="1" smtClean="0">
-                              <a:latin typeface="Cambria Math"/>
+                              <a:latin typeface="Cambria Math" panose="02040503050406030204" pitchFamily="18" charset="0"/>
                             </a:rPr>
                           </m:ctrlPr>
                         </m:radPr>
@@ -7634,7 +7645,7 @@
                             <m:fPr>
                               <m:ctrlPr>
                                 <a:rPr lang="en-US" b="0" i="1" smtClean="0">
-                                  <a:latin typeface="Cambria Math"/>
+                                  <a:latin typeface="Cambria Math" panose="02040503050406030204" pitchFamily="18" charset="0"/>
                                 </a:rPr>
                               </m:ctrlPr>
                             </m:fPr>
@@ -7644,7 +7655,7 @@
                                   <m:chr m:val="∑"/>
                                   <m:ctrlPr>
                                     <a:rPr lang="en-US" b="0" i="1" smtClean="0">
-                                      <a:latin typeface="Cambria Math"/>
+                                      <a:latin typeface="Cambria Math" panose="02040503050406030204" pitchFamily="18" charset="0"/>
                                     </a:rPr>
                                   </m:ctrlPr>
                                 </m:naryPr>
@@ -7678,7 +7689,7 @@
                                     <m:sSubPr>
                                       <m:ctrlPr>
                                         <a:rPr lang="en-US" b="0" i="1" smtClean="0">
-                                          <a:latin typeface="Cambria Math"/>
+                                          <a:latin typeface="Cambria Math" panose="02040503050406030204" pitchFamily="18" charset="0"/>
                                         </a:rPr>
                                       </m:ctrlPr>
                                     </m:sSubPr>
@@ -7724,7 +7735,7 @@
                                     <m:sSubPr>
                                       <m:ctrlPr>
                                         <a:rPr lang="en-US" b="0" i="1" smtClean="0">
-                                          <a:latin typeface="Cambria Math"/>
+                                          <a:latin typeface="Cambria Math" panose="02040503050406030204" pitchFamily="18" charset="0"/>
                                           <a:ea typeface="Cambria Math"/>
                                         </a:rPr>
                                       </m:ctrlPr>
@@ -7783,7 +7794,7 @@
             </p:txBody>
           </p:sp>
         </mc:Choice>
-        <mc:Fallback>
+        <mc:Fallback xmlns="">
           <p:sp>
             <p:nvSpPr>
               <p:cNvPr id="6" name="Объект 5"/>
@@ -7975,7 +7986,7 @@
           <p:cNvPr id="2" name="Заголовок 1">
             <a:extLst>
               <a:ext uri="{FF2B5EF4-FFF2-40B4-BE49-F238E27FC236}">
-                <a16:creationId xmlns="" xmlns:a16="http://schemas.microsoft.com/office/drawing/2014/main" id="{560BA4D8-D831-44A3-B3DA-0AD9C692E524}"/>
+                <a16:creationId xmlns:a16="http://schemas.microsoft.com/office/drawing/2014/main" id="{560BA4D8-D831-44A3-B3DA-0AD9C692E524}"/>
               </a:ext>
             </a:extLst>
           </p:cNvPr>
@@ -8136,7 +8147,7 @@
           <p:cNvPr id="8" name="Заголовок 1">
             <a:extLst>
               <a:ext uri="{FF2B5EF4-FFF2-40B4-BE49-F238E27FC236}">
-                <a16:creationId xmlns="" xmlns:a16="http://schemas.microsoft.com/office/drawing/2014/main" id="{560BA4D8-D831-44A3-B3DA-0AD9C692E524}"/>
+                <a16:creationId xmlns:a16="http://schemas.microsoft.com/office/drawing/2014/main" id="{560BA4D8-D831-44A3-B3DA-0AD9C692E524}"/>
               </a:ext>
             </a:extLst>
           </p:cNvPr>
@@ -8373,7 +8384,7 @@
           <p:cNvPr id="2" name="Заголовок 1">
             <a:extLst>
               <a:ext uri="{FF2B5EF4-FFF2-40B4-BE49-F238E27FC236}">
-                <a16:creationId xmlns="" xmlns:a16="http://schemas.microsoft.com/office/drawing/2014/main" id="{560BA4D8-D831-44A3-B3DA-0AD9C692E524}"/>
+                <a16:creationId xmlns:a16="http://schemas.microsoft.com/office/drawing/2014/main" id="{560BA4D8-D831-44A3-B3DA-0AD9C692E524}"/>
               </a:ext>
             </a:extLst>
           </p:cNvPr>
@@ -8558,7 +8569,7 @@
                         <m:sSubPr>
                           <m:ctrlPr>
                             <a:rPr lang="ru-RU" sz="2400" i="1" smtClean="0">
-                              <a:latin typeface="Cambria Math"/>
+                              <a:latin typeface="Cambria Math" panose="02040503050406030204" pitchFamily="18" charset="0"/>
                             </a:rPr>
                           </m:ctrlPr>
                         </m:sSubPr>
@@ -8583,7 +8594,7 @@
                         <m:dPr>
                           <m:ctrlPr>
                             <a:rPr lang="en-US" sz="2400" b="0" i="1" smtClean="0">
-                              <a:latin typeface="Cambria Math"/>
+                              <a:latin typeface="Cambria Math" panose="02040503050406030204" pitchFamily="18" charset="0"/>
                             </a:rPr>
                           </m:ctrlPr>
                         </m:dPr>
@@ -8606,7 +8617,7 @@
                         <m:fPr>
                           <m:ctrlPr>
                             <a:rPr lang="en-US" sz="2400" b="0" i="1" smtClean="0">
-                              <a:latin typeface="Cambria Math"/>
+                              <a:latin typeface="Cambria Math" panose="02040503050406030204" pitchFamily="18" charset="0"/>
                             </a:rPr>
                           </m:ctrlPr>
                         </m:fPr>
@@ -8637,7 +8648,7 @@
                         <m:fPr>
                           <m:ctrlPr>
                             <a:rPr lang="en-US" sz="2400" b="0" i="1" smtClean="0">
-                              <a:latin typeface="Cambria Math"/>
+                              <a:latin typeface="Cambria Math" panose="02040503050406030204" pitchFamily="18" charset="0"/>
                             </a:rPr>
                           </m:ctrlPr>
                         </m:fPr>
@@ -8664,7 +8675,7 @@
                           <m:chr m:val="∑"/>
                           <m:ctrlPr>
                             <a:rPr lang="en-US" sz="2400" b="0" i="1" smtClean="0">
-                              <a:latin typeface="Cambria Math"/>
+                              <a:latin typeface="Cambria Math" panose="02040503050406030204" pitchFamily="18" charset="0"/>
                             </a:rPr>
                           </m:ctrlPr>
                         </m:naryPr>
@@ -8698,7 +8709,7 @@
                             <m:sSupPr>
                               <m:ctrlPr>
                                 <a:rPr lang="en-US" sz="2400" b="0" i="1" smtClean="0">
-                                  <a:latin typeface="Cambria Math"/>
+                                  <a:latin typeface="Cambria Math" panose="02040503050406030204" pitchFamily="18" charset="0"/>
                                 </a:rPr>
                               </m:ctrlPr>
                             </m:sSupPr>
@@ -8723,7 +8734,7 @@
                             <m:fPr>
                               <m:ctrlPr>
                                 <a:rPr lang="en-US" sz="2400" b="0" i="1" smtClean="0">
-                                  <a:latin typeface="Cambria Math"/>
+                                  <a:latin typeface="Cambria Math" panose="02040503050406030204" pitchFamily="18" charset="0"/>
                                 </a:rPr>
                               </m:ctrlPr>
                             </m:fPr>
@@ -8732,7 +8743,7 @@
                                 <m:funcPr>
                                   <m:ctrlPr>
                                     <a:rPr lang="en-US" sz="2400" b="0" i="1" smtClean="0">
-                                      <a:latin typeface="Cambria Math"/>
+                                      <a:latin typeface="Cambria Math" panose="02040503050406030204" pitchFamily="18" charset="0"/>
                                     </a:rPr>
                                   </m:ctrlPr>
                                 </m:funcPr>
@@ -8758,7 +8769,7 @@
                                     <m:dPr>
                                       <m:ctrlPr>
                                         <a:rPr lang="en-US" sz="2400" b="0" i="1" smtClean="0">
-                                          <a:latin typeface="Cambria Math"/>
+                                          <a:latin typeface="Cambria Math" panose="02040503050406030204" pitchFamily="18" charset="0"/>
                                         </a:rPr>
                                       </m:ctrlPr>
                                     </m:dPr>
@@ -8912,7 +8923,7 @@
           <p:cNvPr id="2" name="Заголовок 1">
             <a:extLst>
               <a:ext uri="{FF2B5EF4-FFF2-40B4-BE49-F238E27FC236}">
-                <a16:creationId xmlns="" xmlns:a16="http://schemas.microsoft.com/office/drawing/2014/main" id="{560BA4D8-D831-44A3-B3DA-0AD9C692E524}"/>
+                <a16:creationId xmlns:a16="http://schemas.microsoft.com/office/drawing/2014/main" id="{560BA4D8-D831-44A3-B3DA-0AD9C692E524}"/>
               </a:ext>
             </a:extLst>
           </p:cNvPr>
@@ -9041,7 +9052,7 @@
           <p:cNvPr id="3" name="Объект 2">
             <a:extLst>
               <a:ext uri="{FF2B5EF4-FFF2-40B4-BE49-F238E27FC236}">
-                <a16:creationId xmlns="" xmlns:a16="http://schemas.microsoft.com/office/drawing/2014/main" id="{C6A50B5F-7289-462B-A2B9-3E57E5D25656}"/>
+                <a16:creationId xmlns:a16="http://schemas.microsoft.com/office/drawing/2014/main" id="{C6A50B5F-7289-462B-A2B9-3E57E5D25656}"/>
               </a:ext>
             </a:extLst>
           </p:cNvPr>
@@ -9110,7 +9121,7 @@
           <p:cNvPr id="10" name="Заголовок 1">
             <a:extLst>
               <a:ext uri="{FF2B5EF4-FFF2-40B4-BE49-F238E27FC236}">
-                <a16:creationId xmlns="" xmlns:a16="http://schemas.microsoft.com/office/drawing/2014/main" id="{A00921C6-E300-486A-9338-986D61628C61}"/>
+                <a16:creationId xmlns:a16="http://schemas.microsoft.com/office/drawing/2014/main" id="{A00921C6-E300-486A-9338-986D61628C61}"/>
               </a:ext>
             </a:extLst>
           </p:cNvPr>
@@ -9226,7 +9237,7 @@
           <p:cNvPr id="3" name="Объект 2">
             <a:extLst>
               <a:ext uri="{FF2B5EF4-FFF2-40B4-BE49-F238E27FC236}">
-                <a16:creationId xmlns="" xmlns:a16="http://schemas.microsoft.com/office/drawing/2014/main" id="{C6A50B5F-7289-462B-A2B9-3E57E5D25656}"/>
+                <a16:creationId xmlns:a16="http://schemas.microsoft.com/office/drawing/2014/main" id="{C6A50B5F-7289-462B-A2B9-3E57E5D25656}"/>
               </a:ext>
             </a:extLst>
           </p:cNvPr>
@@ -9295,7 +9306,7 @@
           <p:cNvPr id="10" name="Заголовок 1">
             <a:extLst>
               <a:ext uri="{FF2B5EF4-FFF2-40B4-BE49-F238E27FC236}">
-                <a16:creationId xmlns="" xmlns:a16="http://schemas.microsoft.com/office/drawing/2014/main" id="{A00921C6-E300-486A-9338-986D61628C61}"/>
+                <a16:creationId xmlns:a16="http://schemas.microsoft.com/office/drawing/2014/main" id="{A00921C6-E300-486A-9338-986D61628C61}"/>
               </a:ext>
             </a:extLst>
           </p:cNvPr>
@@ -9411,7 +9422,7 @@
           <p:cNvPr id="10" name="Заголовок 1">
             <a:extLst>
               <a:ext uri="{FF2B5EF4-FFF2-40B4-BE49-F238E27FC236}">
-                <a16:creationId xmlns="" xmlns:a16="http://schemas.microsoft.com/office/drawing/2014/main" id="{A00921C6-E300-486A-9338-986D61628C61}"/>
+                <a16:creationId xmlns:a16="http://schemas.microsoft.com/office/drawing/2014/main" id="{A00921C6-E300-486A-9338-986D61628C61}"/>
               </a:ext>
             </a:extLst>
           </p:cNvPr>
@@ -9605,7 +9616,7 @@
           <p:cNvPr id="10" name="Заголовок 1">
             <a:extLst>
               <a:ext uri="{FF2B5EF4-FFF2-40B4-BE49-F238E27FC236}">
-                <a16:creationId xmlns="" xmlns:a16="http://schemas.microsoft.com/office/drawing/2014/main" id="{A00921C6-E300-486A-9338-986D61628C61}"/>
+                <a16:creationId xmlns:a16="http://schemas.microsoft.com/office/drawing/2014/main" id="{A00921C6-E300-486A-9338-986D61628C61}"/>
               </a:ext>
             </a:extLst>
           </p:cNvPr>
@@ -9849,7 +9860,7 @@
           <p:cNvPr id="10" name="Заголовок 1">
             <a:extLst>
               <a:ext uri="{FF2B5EF4-FFF2-40B4-BE49-F238E27FC236}">
-                <a16:creationId xmlns="" xmlns:a16="http://schemas.microsoft.com/office/drawing/2014/main" id="{A00921C6-E300-486A-9338-986D61628C61}"/>
+                <a16:creationId xmlns:a16="http://schemas.microsoft.com/office/drawing/2014/main" id="{A00921C6-E300-486A-9338-986D61628C61}"/>
               </a:ext>
             </a:extLst>
           </p:cNvPr>
@@ -10051,8 +10062,8 @@
           </a:extLst>
         </p:spPr>
       </p:pic>
-      <mc:AlternateContent xmlns:mc="http://schemas.openxmlformats.org/markup-compatibility/2006">
-        <mc:Choice xmlns:a14="http://schemas.microsoft.com/office/drawing/2010/main" Requires="a14">
+      <mc:AlternateContent xmlns:mc="http://schemas.openxmlformats.org/markup-compatibility/2006" xmlns:a14="http://schemas.microsoft.com/office/drawing/2010/main">
+        <mc:Choice Requires="a14">
           <p:sp>
             <p:nvSpPr>
               <p:cNvPr id="3" name="TextBox 2"/>
@@ -10075,6 +10086,7 @@
               </a:bodyPr>
               <a:lstStyle/>
               <a:p>
+                <a:pPr/>
                 <a14:m>
                   <m:oMathPara xmlns:m="http://schemas.openxmlformats.org/officeDocument/2006/math">
                     <m:oMathParaPr>
@@ -10085,7 +10097,7 @@
                         <m:sSubPr>
                           <m:ctrlPr>
                             <a:rPr lang="ru-RU" sz="2000" i="1" smtClean="0">
-                              <a:latin typeface="Cambria Math"/>
+                              <a:latin typeface="Cambria Math" panose="02040503050406030204" pitchFamily="18" charset="0"/>
                             </a:rPr>
                           </m:ctrlPr>
                         </m:sSubPr>
@@ -10116,7 +10128,7 @@
                         <m:sSubPr>
                           <m:ctrlPr>
                             <a:rPr lang="en-US" sz="2000" b="0" i="1" smtClean="0">
-                              <a:latin typeface="Cambria Math"/>
+                              <a:latin typeface="Cambria Math" panose="02040503050406030204" pitchFamily="18" charset="0"/>
                             </a:rPr>
                           </m:ctrlPr>
                         </m:sSubPr>
@@ -10145,7 +10157,7 @@
             </p:txBody>
           </p:sp>
         </mc:Choice>
-        <mc:Fallback>
+        <mc:Fallback xmlns="">
           <p:sp>
             <p:nvSpPr>
               <p:cNvPr id="3" name="TextBox 2"/>
@@ -10226,7 +10238,7 @@
           <p:cNvPr id="10" name="Заголовок 1">
             <a:extLst>
               <a:ext uri="{FF2B5EF4-FFF2-40B4-BE49-F238E27FC236}">
-                <a16:creationId xmlns="" xmlns:a16="http://schemas.microsoft.com/office/drawing/2014/main" id="{A00921C6-E300-486A-9338-986D61628C61}"/>
+                <a16:creationId xmlns:a16="http://schemas.microsoft.com/office/drawing/2014/main" id="{A00921C6-E300-486A-9338-986D61628C61}"/>
               </a:ext>
             </a:extLst>
           </p:cNvPr>
@@ -10459,7 +10471,6 @@
               <a:rPr lang="ru-RU" sz="2400" dirty="0"/>
               <a:t> и т.д.</a:t>
             </a:r>
-            <a:endParaRPr lang="ru-RU" sz="2400" dirty="0"/>
           </a:p>
         </p:txBody>
       </p:sp>
@@ -10505,7 +10516,7 @@
           <p:cNvPr id="2" name="Заголовок 1">
             <a:extLst>
               <a:ext uri="{FF2B5EF4-FFF2-40B4-BE49-F238E27FC236}">
-                <a16:creationId xmlns="" xmlns:a16="http://schemas.microsoft.com/office/drawing/2014/main" id="{7290B64D-7D6D-42D9-8F1B-970339976A96}"/>
+                <a16:creationId xmlns:a16="http://schemas.microsoft.com/office/drawing/2014/main" id="{7290B64D-7D6D-42D9-8F1B-970339976A96}"/>
               </a:ext>
             </a:extLst>
           </p:cNvPr>
@@ -10539,7 +10550,7 @@
           <p:cNvPr id="3" name="Объект 2">
             <a:extLst>
               <a:ext uri="{FF2B5EF4-FFF2-40B4-BE49-F238E27FC236}">
-                <a16:creationId xmlns="" xmlns:a16="http://schemas.microsoft.com/office/drawing/2014/main" id="{FF3C0CB1-1170-4125-BEFC-0832723DA789}"/>
+                <a16:creationId xmlns:a16="http://schemas.microsoft.com/office/drawing/2014/main" id="{FF3C0CB1-1170-4125-BEFC-0832723DA789}"/>
               </a:ext>
             </a:extLst>
           </p:cNvPr>
@@ -10636,7 +10647,7 @@
           <p:cNvPr id="2" name="Заголовок 1">
             <a:extLst>
               <a:ext uri="{FF2B5EF4-FFF2-40B4-BE49-F238E27FC236}">
-                <a16:creationId xmlns="" xmlns:a16="http://schemas.microsoft.com/office/drawing/2014/main" id="{560BA4D8-D831-44A3-B3DA-0AD9C692E524}"/>
+                <a16:creationId xmlns:a16="http://schemas.microsoft.com/office/drawing/2014/main" id="{560BA4D8-D831-44A3-B3DA-0AD9C692E524}"/>
               </a:ext>
             </a:extLst>
           </p:cNvPr>
@@ -10669,7 +10680,7 @@
           <p:cNvPr id="3" name="Объект 2">
             <a:extLst>
               <a:ext uri="{FF2B5EF4-FFF2-40B4-BE49-F238E27FC236}">
-                <a16:creationId xmlns="" xmlns:a16="http://schemas.microsoft.com/office/drawing/2014/main" id="{F696336F-7684-49B3-B7A5-2468A951C453}"/>
+                <a16:creationId xmlns:a16="http://schemas.microsoft.com/office/drawing/2014/main" id="{F696336F-7684-49B3-B7A5-2468A951C453}"/>
               </a:ext>
             </a:extLst>
           </p:cNvPr>
@@ -10787,7 +10798,7 @@
                         <m:dPr>
                           <m:ctrlPr>
                             <a:rPr lang="en-US" sz="3200" b="0" i="1" smtClean="0">
-                              <a:latin typeface="Cambria Math"/>
+                              <a:latin typeface="Cambria Math" panose="02040503050406030204" pitchFamily="18" charset="0"/>
                             </a:rPr>
                           </m:ctrlPr>
                         </m:dPr>
@@ -10816,7 +10827,7 @@
                         <m:funcPr>
                           <m:ctrlPr>
                             <a:rPr lang="en-US" sz="3200" b="0" i="1" smtClean="0">
-                              <a:latin typeface="Cambria Math"/>
+                              <a:latin typeface="Cambria Math" panose="02040503050406030204" pitchFamily="18" charset="0"/>
                             </a:rPr>
                           </m:ctrlPr>
                         </m:funcPr>
@@ -10836,7 +10847,7 @@
                             <m:dPr>
                               <m:ctrlPr>
                                 <a:rPr lang="en-US" sz="3200" b="0" i="1" smtClean="0">
-                                  <a:latin typeface="Cambria Math"/>
+                                  <a:latin typeface="Cambria Math" panose="02040503050406030204" pitchFamily="18" charset="0"/>
                                 </a:rPr>
                               </m:ctrlPr>
                             </m:dPr>
@@ -11075,7 +11086,7 @@
           <p:cNvPr id="2" name="Заголовок 1">
             <a:extLst>
               <a:ext uri="{FF2B5EF4-FFF2-40B4-BE49-F238E27FC236}">
-                <a16:creationId xmlns="" xmlns:a16="http://schemas.microsoft.com/office/drawing/2014/main" id="{560BA4D8-D831-44A3-B3DA-0AD9C692E524}"/>
+                <a16:creationId xmlns:a16="http://schemas.microsoft.com/office/drawing/2014/main" id="{560BA4D8-D831-44A3-B3DA-0AD9C692E524}"/>
               </a:ext>
             </a:extLst>
           </p:cNvPr>
@@ -11167,7 +11178,7 @@
                         <m:dPr>
                           <m:ctrlPr>
                             <a:rPr lang="en-US" sz="3200" b="0" i="1" smtClean="0">
-                              <a:latin typeface="Cambria Math"/>
+                              <a:latin typeface="Cambria Math" panose="02040503050406030204" pitchFamily="18" charset="0"/>
                             </a:rPr>
                           </m:ctrlPr>
                         </m:dPr>
@@ -11214,7 +11225,7 @@
                         <m:funcPr>
                           <m:ctrlPr>
                             <a:rPr lang="en-US" sz="3200" b="0" i="1" smtClean="0">
-                              <a:latin typeface="Cambria Math"/>
+                              <a:latin typeface="Cambria Math" panose="02040503050406030204" pitchFamily="18" charset="0"/>
                             </a:rPr>
                           </m:ctrlPr>
                         </m:funcPr>
@@ -11234,7 +11245,7 @@
                             <m:dPr>
                               <m:ctrlPr>
                                 <a:rPr lang="en-US" sz="3200" b="0" i="1" smtClean="0">
-                                  <a:latin typeface="Cambria Math"/>
+                                  <a:latin typeface="Cambria Math" panose="02040503050406030204" pitchFamily="18" charset="0"/>
                                 </a:rPr>
                               </m:ctrlPr>
                             </m:dPr>
@@ -11442,7 +11453,7 @@
           <p:cNvPr id="2" name="Заголовок 1">
             <a:extLst>
               <a:ext uri="{FF2B5EF4-FFF2-40B4-BE49-F238E27FC236}">
-                <a16:creationId xmlns="" xmlns:a16="http://schemas.microsoft.com/office/drawing/2014/main" id="{560BA4D8-D831-44A3-B3DA-0AD9C692E524}"/>
+                <a16:creationId xmlns:a16="http://schemas.microsoft.com/office/drawing/2014/main" id="{560BA4D8-D831-44A3-B3DA-0AD9C692E524}"/>
               </a:ext>
             </a:extLst>
           </p:cNvPr>
@@ -11542,7 +11553,7 @@
                         <m:dPr>
                           <m:ctrlPr>
                             <a:rPr lang="en-US" sz="3200" b="0" i="1" smtClean="0">
-                              <a:latin typeface="Cambria Math"/>
+                              <a:latin typeface="Cambria Math" panose="02040503050406030204" pitchFamily="18" charset="0"/>
                             </a:rPr>
                           </m:ctrlPr>
                         </m:dPr>
@@ -11571,7 +11582,7 @@
                         <m:funcPr>
                           <m:ctrlPr>
                             <a:rPr lang="en-US" sz="3200" b="0" i="1" smtClean="0">
-                              <a:latin typeface="Cambria Math"/>
+                              <a:latin typeface="Cambria Math" panose="02040503050406030204" pitchFamily="18" charset="0"/>
                             </a:rPr>
                           </m:ctrlPr>
                         </m:funcPr>
@@ -11591,7 +11602,7 @@
                             <m:dPr>
                               <m:ctrlPr>
                                 <a:rPr lang="en-US" sz="3200" b="0" i="1" smtClean="0">
-                                  <a:latin typeface="Cambria Math"/>
+                                  <a:latin typeface="Cambria Math" panose="02040503050406030204" pitchFamily="18" charset="0"/>
                                 </a:rPr>
                               </m:ctrlPr>
                             </m:dPr>
@@ -11618,7 +11629,7 @@
                                 <m:dPr>
                                   <m:ctrlPr>
                                     <a:rPr lang="en-US" sz="3200" b="0" i="1" smtClean="0">
-                                      <a:latin typeface="Cambria Math"/>
+                                      <a:latin typeface="Cambria Math" panose="02040503050406030204" pitchFamily="18" charset="0"/>
                                     </a:rPr>
                                   </m:ctrlPr>
                                 </m:dPr>
@@ -11822,7 +11833,7 @@
           <p:cNvPr id="2" name="Заголовок 1">
             <a:extLst>
               <a:ext uri="{FF2B5EF4-FFF2-40B4-BE49-F238E27FC236}">
-                <a16:creationId xmlns="" xmlns:a16="http://schemas.microsoft.com/office/drawing/2014/main" id="{560BA4D8-D831-44A3-B3DA-0AD9C692E524}"/>
+                <a16:creationId xmlns:a16="http://schemas.microsoft.com/office/drawing/2014/main" id="{560BA4D8-D831-44A3-B3DA-0AD9C692E524}"/>
               </a:ext>
             </a:extLst>
           </p:cNvPr>
@@ -11914,7 +11925,7 @@
                         <m:dPr>
                           <m:ctrlPr>
                             <a:rPr lang="en-US" sz="3200" b="0" i="1" smtClean="0">
-                              <a:latin typeface="Cambria Math"/>
+                              <a:latin typeface="Cambria Math" panose="02040503050406030204" pitchFamily="18" charset="0"/>
                             </a:rPr>
                           </m:ctrlPr>
                         </m:dPr>
@@ -11943,7 +11954,7 @@
                         <m:funcPr>
                           <m:ctrlPr>
                             <a:rPr lang="en-US" sz="3200" b="0" i="1" smtClean="0">
-                              <a:latin typeface="Cambria Math"/>
+                              <a:latin typeface="Cambria Math" panose="02040503050406030204" pitchFamily="18" charset="0"/>
                             </a:rPr>
                           </m:ctrlPr>
                         </m:funcPr>
@@ -11963,7 +11974,7 @@
                             <m:dPr>
                               <m:ctrlPr>
                                 <a:rPr lang="en-US" sz="3200" b="0" i="1" smtClean="0">
-                                  <a:latin typeface="Cambria Math"/>
+                                  <a:latin typeface="Cambria Math" panose="02040503050406030204" pitchFamily="18" charset="0"/>
                                 </a:rPr>
                               </m:ctrlPr>
                             </m:dPr>
@@ -12002,7 +12013,7 @@
                                 <m:dPr>
                                   <m:ctrlPr>
                                     <a:rPr lang="ru-RU" sz="3200" b="0" i="1" smtClean="0">
-                                      <a:latin typeface="Cambria Math"/>
+                                      <a:latin typeface="Cambria Math" panose="02040503050406030204" pitchFamily="18" charset="0"/>
                                     </a:rPr>
                                   </m:ctrlPr>
                                 </m:dPr>
@@ -12186,7 +12197,7 @@
           <p:cNvPr id="2" name="Заголовок 1">
             <a:extLst>
               <a:ext uri="{FF2B5EF4-FFF2-40B4-BE49-F238E27FC236}">
-                <a16:creationId xmlns="" xmlns:a16="http://schemas.microsoft.com/office/drawing/2014/main" id="{560BA4D8-D831-44A3-B3DA-0AD9C692E524}"/>
+                <a16:creationId xmlns:a16="http://schemas.microsoft.com/office/drawing/2014/main" id="{560BA4D8-D831-44A3-B3DA-0AD9C692E524}"/>
               </a:ext>
             </a:extLst>
           </p:cNvPr>
@@ -12283,7 +12294,7 @@
           <p:cNvPr id="15" name="Объект 2">
             <a:extLst>
               <a:ext uri="{FF2B5EF4-FFF2-40B4-BE49-F238E27FC236}">
-                <a16:creationId xmlns="" xmlns:a16="http://schemas.microsoft.com/office/drawing/2014/main" id="{F696336F-7684-49B3-B7A5-2468A951C453}"/>
+                <a16:creationId xmlns:a16="http://schemas.microsoft.com/office/drawing/2014/main" id="{F696336F-7684-49B3-B7A5-2468A951C453}"/>
               </a:ext>
             </a:extLst>
           </p:cNvPr>
@@ -12352,7 +12363,7 @@
           <p:cNvPr id="2" name="Заголовок 1">
             <a:extLst>
               <a:ext uri="{FF2B5EF4-FFF2-40B4-BE49-F238E27FC236}">
-                <a16:creationId xmlns="" xmlns:a16="http://schemas.microsoft.com/office/drawing/2014/main" id="{560BA4D8-D831-44A3-B3DA-0AD9C692E524}"/>
+                <a16:creationId xmlns:a16="http://schemas.microsoft.com/office/drawing/2014/main" id="{560BA4D8-D831-44A3-B3DA-0AD9C692E524}"/>
               </a:ext>
             </a:extLst>
           </p:cNvPr>
@@ -12487,7 +12498,7 @@
                         <m:dPr>
                           <m:ctrlPr>
                             <a:rPr lang="en-US" sz="2800" i="1">
-                              <a:latin typeface="Cambria Math"/>
+                              <a:latin typeface="Cambria Math" panose="02040503050406030204" pitchFamily="18" charset="0"/>
                             </a:rPr>
                           </m:ctrlPr>
                         </m:dPr>
@@ -12516,7 +12527,7 @@
                         <m:dPr>
                           <m:ctrlPr>
                             <a:rPr lang="en-US" sz="2800" b="0" i="1" smtClean="0">
-                              <a:latin typeface="Cambria Math"/>
+                              <a:latin typeface="Cambria Math" panose="02040503050406030204" pitchFamily="18" charset="0"/>
                             </a:rPr>
                           </m:ctrlPr>
                         </m:dPr>
@@ -12539,7 +12550,7 @@
                         <m:sSupPr>
                           <m:ctrlPr>
                             <a:rPr lang="en-US" sz="2800" i="1">
-                              <a:latin typeface="Cambria Math"/>
+                              <a:latin typeface="Cambria Math" panose="02040503050406030204" pitchFamily="18" charset="0"/>
                             </a:rPr>
                           </m:ctrlPr>
                         </m:sSupPr>
@@ -12562,7 +12573,7 @@
                             <m:dPr>
                               <m:ctrlPr>
                                 <a:rPr lang="en-US" sz="2800" i="1">
-                                  <a:latin typeface="Cambria Math"/>
+                                  <a:latin typeface="Cambria Math" panose="02040503050406030204" pitchFamily="18" charset="0"/>
                                 </a:rPr>
                               </m:ctrlPr>
                             </m:dPr>
@@ -12601,7 +12612,7 @@
                                 <m:dPr>
                                   <m:ctrlPr>
                                     <a:rPr lang="en-US" sz="2800" b="0" i="1" smtClean="0">
-                                      <a:latin typeface="Cambria Math"/>
+                                      <a:latin typeface="Cambria Math" panose="02040503050406030204" pitchFamily="18" charset="0"/>
                                     </a:rPr>
                                   </m:ctrlPr>
                                 </m:dPr>
@@ -12656,7 +12667,7 @@
                         <m:dPr>
                           <m:ctrlPr>
                             <a:rPr lang="en-US" sz="2800" i="1">
-                              <a:latin typeface="Cambria Math"/>
+                              <a:latin typeface="Cambria Math" panose="02040503050406030204" pitchFamily="18" charset="0"/>
                             </a:rPr>
                           </m:ctrlPr>
                         </m:dPr>
@@ -12673,7 +12684,7 @@
                         <m:funcPr>
                           <m:ctrlPr>
                             <a:rPr lang="en-US" sz="2800" i="1">
-                              <a:latin typeface="Cambria Math"/>
+                              <a:latin typeface="Cambria Math" panose="02040503050406030204" pitchFamily="18" charset="0"/>
                             </a:rPr>
                           </m:ctrlPr>
                         </m:funcPr>
@@ -12699,7 +12710,7 @@
                             <m:dPr>
                               <m:ctrlPr>
                                 <a:rPr lang="en-US" sz="2800" i="1">
-                                  <a:latin typeface="Cambria Math"/>
+                                  <a:latin typeface="Cambria Math" panose="02040503050406030204" pitchFamily="18" charset="0"/>
                                 </a:rPr>
                               </m:ctrlPr>
                             </m:dPr>
@@ -12754,7 +12765,7 @@
                         <m:dPr>
                           <m:ctrlPr>
                             <a:rPr lang="en-US" sz="2800" i="1">
-                              <a:latin typeface="Cambria Math"/>
+                              <a:latin typeface="Cambria Math" panose="02040503050406030204" pitchFamily="18" charset="0"/>
                             </a:rPr>
                           </m:ctrlPr>
                         </m:dPr>
@@ -12771,7 +12782,7 @@
                         <m:funcPr>
                           <m:ctrlPr>
                             <a:rPr lang="en-US" sz="2800" i="1">
-                              <a:latin typeface="Cambria Math"/>
+                              <a:latin typeface="Cambria Math" panose="02040503050406030204" pitchFamily="18" charset="0"/>
                             </a:rPr>
                           </m:ctrlPr>
                         </m:funcPr>
@@ -12791,7 +12802,7 @@
                             <m:dPr>
                               <m:ctrlPr>
                                 <a:rPr lang="en-US" sz="2800" i="1">
-                                  <a:latin typeface="Cambria Math"/>
+                                  <a:latin typeface="Cambria Math" panose="02040503050406030204" pitchFamily="18" charset="0"/>
                                 </a:rPr>
                               </m:ctrlPr>
                             </m:dPr>
@@ -12903,7 +12914,7 @@
           <p:cNvPr id="2" name="Заголовок 1">
             <a:extLst>
               <a:ext uri="{FF2B5EF4-FFF2-40B4-BE49-F238E27FC236}">
-                <a16:creationId xmlns="" xmlns:a16="http://schemas.microsoft.com/office/drawing/2014/main" id="{560BA4D8-D831-44A3-B3DA-0AD9C692E524}"/>
+                <a16:creationId xmlns:a16="http://schemas.microsoft.com/office/drawing/2014/main" id="{560BA4D8-D831-44A3-B3DA-0AD9C692E524}"/>
               </a:ext>
             </a:extLst>
           </p:cNvPr>
@@ -12980,13 +12991,55 @@
             <a:tbl>
               <a:tblPr/>
               <a:tblGrid>
-                <a:gridCol w="1450428"/>
-                <a:gridCol w="1450428"/>
-                <a:gridCol w="1450428"/>
-                <a:gridCol w="1450428"/>
-                <a:gridCol w="1450428"/>
-                <a:gridCol w="1450428"/>
-                <a:gridCol w="1450428"/>
+                <a:gridCol w="1450428">
+                  <a:extLst>
+                    <a:ext uri="{9D8B030D-6E8A-4147-A177-3AD203B41FA5}">
+                      <a16:colId xmlns:a16="http://schemas.microsoft.com/office/drawing/2014/main" val="20000"/>
+                    </a:ext>
+                  </a:extLst>
+                </a:gridCol>
+                <a:gridCol w="1450428">
+                  <a:extLst>
+                    <a:ext uri="{9D8B030D-6E8A-4147-A177-3AD203B41FA5}">
+                      <a16:colId xmlns:a16="http://schemas.microsoft.com/office/drawing/2014/main" val="20001"/>
+                    </a:ext>
+                  </a:extLst>
+                </a:gridCol>
+                <a:gridCol w="1450428">
+                  <a:extLst>
+                    <a:ext uri="{9D8B030D-6E8A-4147-A177-3AD203B41FA5}">
+                      <a16:colId xmlns:a16="http://schemas.microsoft.com/office/drawing/2014/main" val="20002"/>
+                    </a:ext>
+                  </a:extLst>
+                </a:gridCol>
+                <a:gridCol w="1450428">
+                  <a:extLst>
+                    <a:ext uri="{9D8B030D-6E8A-4147-A177-3AD203B41FA5}">
+                      <a16:colId xmlns:a16="http://schemas.microsoft.com/office/drawing/2014/main" val="20003"/>
+                    </a:ext>
+                  </a:extLst>
+                </a:gridCol>
+                <a:gridCol w="1450428">
+                  <a:extLst>
+                    <a:ext uri="{9D8B030D-6E8A-4147-A177-3AD203B41FA5}">
+                      <a16:colId xmlns:a16="http://schemas.microsoft.com/office/drawing/2014/main" val="20004"/>
+                    </a:ext>
+                  </a:extLst>
+                </a:gridCol>
+                <a:gridCol w="1450428">
+                  <a:extLst>
+                    <a:ext uri="{9D8B030D-6E8A-4147-A177-3AD203B41FA5}">
+                      <a16:colId xmlns:a16="http://schemas.microsoft.com/office/drawing/2014/main" val="20005"/>
+                    </a:ext>
+                  </a:extLst>
+                </a:gridCol>
+                <a:gridCol w="1450428">
+                  <a:extLst>
+                    <a:ext uri="{9D8B030D-6E8A-4147-A177-3AD203B41FA5}">
+                      <a16:colId xmlns:a16="http://schemas.microsoft.com/office/drawing/2014/main" val="20006"/>
+                    </a:ext>
+                  </a:extLst>
+                </a:gridCol>
               </a:tblGrid>
               <a:tr h="496614">
                 <a:tc>
@@ -13137,6 +13190,11 @@
                   </a:txBody>
                   <a:tcPr/>
                 </a:tc>
+                <a:extLst>
+                  <a:ext uri="{0D108BD9-81ED-4DB2-BD59-A6C34878D82A}">
+                    <a16:rowId xmlns:a16="http://schemas.microsoft.com/office/drawing/2014/main" val="10000"/>
+                  </a:ext>
+                </a:extLst>
               </a:tr>
               <a:tr h="472965">
                 <a:tc>
@@ -13540,6 +13598,11 @@
                     </a:lnBlToTr>
                   </a:tcPr>
                 </a:tc>
+                <a:extLst>
+                  <a:ext uri="{0D108BD9-81ED-4DB2-BD59-A6C34878D82A}">
+                    <a16:rowId xmlns:a16="http://schemas.microsoft.com/office/drawing/2014/main" val="10001"/>
+                  </a:ext>
+                </a:extLst>
               </a:tr>
               <a:tr h="472965">
                 <a:tc>
@@ -13937,6 +14000,11 @@
                     </a:solidFill>
                   </a:tcPr>
                 </a:tc>
+                <a:extLst>
+                  <a:ext uri="{0D108BD9-81ED-4DB2-BD59-A6C34878D82A}">
+                    <a16:rowId xmlns:a16="http://schemas.microsoft.com/office/drawing/2014/main" val="10002"/>
+                  </a:ext>
+                </a:extLst>
               </a:tr>
               <a:tr h="472965">
                 <a:tc>
@@ -14337,6 +14405,11 @@
                     </a:solidFill>
                   </a:tcPr>
                 </a:tc>
+                <a:extLst>
+                  <a:ext uri="{0D108BD9-81ED-4DB2-BD59-A6C34878D82A}">
+                    <a16:rowId xmlns:a16="http://schemas.microsoft.com/office/drawing/2014/main" val="10003"/>
+                  </a:ext>
+                </a:extLst>
               </a:tr>
               <a:tr h="472965">
                 <a:tc>
@@ -14737,6 +14810,11 @@
                     </a:lnBlToTr>
                   </a:tcPr>
                 </a:tc>
+                <a:extLst>
+                  <a:ext uri="{0D108BD9-81ED-4DB2-BD59-A6C34878D82A}">
+                    <a16:rowId xmlns:a16="http://schemas.microsoft.com/office/drawing/2014/main" val="10004"/>
+                  </a:ext>
+                </a:extLst>
               </a:tr>
               <a:tr h="472965">
                 <a:tc>
@@ -15137,6 +15215,11 @@
                     </a:lnBlToTr>
                   </a:tcPr>
                 </a:tc>
+                <a:extLst>
+                  <a:ext uri="{0D108BD9-81ED-4DB2-BD59-A6C34878D82A}">
+                    <a16:rowId xmlns:a16="http://schemas.microsoft.com/office/drawing/2014/main" val="10005"/>
+                  </a:ext>
+                </a:extLst>
               </a:tr>
               <a:tr h="472965">
                 <a:tc>
@@ -15543,6 +15626,11 @@
                     </a:solidFill>
                   </a:tcPr>
                 </a:tc>
+                <a:extLst>
+                  <a:ext uri="{0D108BD9-81ED-4DB2-BD59-A6C34878D82A}">
+                    <a16:rowId xmlns:a16="http://schemas.microsoft.com/office/drawing/2014/main" val="10006"/>
+                  </a:ext>
+                </a:extLst>
               </a:tr>
               <a:tr h="472965">
                 <a:tc>
@@ -15946,6 +16034,11 @@
                     </a:solidFill>
                   </a:tcPr>
                 </a:tc>
+                <a:extLst>
+                  <a:ext uri="{0D108BD9-81ED-4DB2-BD59-A6C34878D82A}">
+                    <a16:rowId xmlns:a16="http://schemas.microsoft.com/office/drawing/2014/main" val="10007"/>
+                  </a:ext>
+                </a:extLst>
               </a:tr>
               <a:tr h="496614">
                 <a:tc>
@@ -16361,6 +16454,11 @@
                     </a:lnBlToTr>
                   </a:tcPr>
                 </a:tc>
+                <a:extLst>
+                  <a:ext uri="{0D108BD9-81ED-4DB2-BD59-A6C34878D82A}">
+                    <a16:rowId xmlns:a16="http://schemas.microsoft.com/office/drawing/2014/main" val="10008"/>
+                  </a:ext>
+                </a:extLst>
               </a:tr>
             </a:tbl>
           </a:graphicData>
@@ -16668,7 +16766,7 @@
   <a:extraClrSchemeLst/>
   <a:extLst>
     <a:ext uri="{05A4C25C-085E-4340-85A3-A5531E510DB2}">
-      <thm15:themeFamily xmlns="" xmlns:thm15="http://schemas.microsoft.com/office/thememl/2012/main" name="Office Theme" id="{62F939B6-93AF-4DB8-9C6B-D6C7DFDC589F}" vid="{4A3C46E8-61CC-4603-A589-7422A47A8E4A}"/>
+      <thm15:themeFamily xmlns:thm15="http://schemas.microsoft.com/office/thememl/2012/main" name="Office Theme" id="{62F939B6-93AF-4DB8-9C6B-D6C7DFDC589F}" vid="{4A3C46E8-61CC-4603-A589-7422A47A8E4A}"/>
     </a:ext>
   </a:extLst>
 </a:theme>
@@ -16963,7 +17061,7 @@
   <a:extraClrSchemeLst/>
   <a:extLst>
     <a:ext uri="{05A4C25C-085E-4340-85A3-A5531E510DB2}">
-      <thm15:themeFamily xmlns="" xmlns:thm15="http://schemas.microsoft.com/office/thememl/2012/main" name="Office Theme" id="{62F939B6-93AF-4DB8-9C6B-D6C7DFDC589F}" vid="{4A3C46E8-61CC-4603-A589-7422A47A8E4A}"/>
+      <thm15:themeFamily xmlns:thm15="http://schemas.microsoft.com/office/thememl/2012/main" name="Office Theme" id="{62F939B6-93AF-4DB8-9C6B-D6C7DFDC589F}" vid="{4A3C46E8-61CC-4603-A589-7422A47A8E4A}"/>
     </a:ext>
   </a:extLst>
 </a:theme>
